--- a/Design Review Presentation.pptx
+++ b/Design Review Presentation.pptx
@@ -7,8 +7,10 @@
   <p:sldIdLst>
     <p:sldId id="256" r:id="rId2"/>
     <p:sldId id="257" r:id="rId3"/>
-    <p:sldId id="259" r:id="rId4"/>
-    <p:sldId id="258" r:id="rId5"/>
+    <p:sldId id="260" r:id="rId4"/>
+    <p:sldId id="259" r:id="rId5"/>
+    <p:sldId id="258" r:id="rId6"/>
+    <p:sldId id="261" r:id="rId7"/>
   </p:sldIdLst>
   <p:sldSz cx="12192000" cy="6858000"/>
   <p:notesSz cx="6858000" cy="9144000"/>
@@ -301,7 +303,7 @@
           <a:p>
             <a:fld id="{9AB3A824-1A51-4B26-AD58-A6D8E14F6C04}" type="datetimeFigureOut">
               <a:rPr lang="en-US" smtClean="0"/>
-              <a:t>3/21/2019</a:t>
+              <a:t>3/28/2019</a:t>
             </a:fld>
             <a:endParaRPr lang="en-US" dirty="0"/>
           </a:p>
@@ -581,7 +583,7 @@
           <a:p>
             <a:fld id="{3CBC1C18-307B-4F68-A007-B5B542270E8D}" type="datetimeFigureOut">
               <a:rPr lang="en-US" smtClean="0"/>
-              <a:t>3/21/2019</a:t>
+              <a:t>3/28/2019</a:t>
             </a:fld>
             <a:endParaRPr lang="en-US" dirty="0"/>
           </a:p>
@@ -782,7 +784,7 @@
           <a:p>
             <a:fld id="{3CBC1C18-307B-4F68-A007-B5B542270E8D}" type="datetimeFigureOut">
               <a:rPr lang="en-US" smtClean="0"/>
-              <a:t>3/21/2019</a:t>
+              <a:t>3/28/2019</a:t>
             </a:fld>
             <a:endParaRPr lang="en-US" dirty="0"/>
           </a:p>
@@ -1062,7 +1064,7 @@
           <a:p>
             <a:fld id="{3CBC1C18-307B-4F68-A007-B5B542270E8D}" type="datetimeFigureOut">
               <a:rPr lang="en-US" smtClean="0"/>
-              <a:t>3/21/2019</a:t>
+              <a:t>3/28/2019</a:t>
             </a:fld>
             <a:endParaRPr lang="en-US" dirty="0"/>
           </a:p>
@@ -1410,7 +1412,7 @@
           <a:p>
             <a:fld id="{3CBC1C18-307B-4F68-A007-B5B542270E8D}" type="datetimeFigureOut">
               <a:rPr lang="en-US" smtClean="0"/>
-              <a:t>3/21/2019</a:t>
+              <a:t>3/28/2019</a:t>
             </a:fld>
             <a:endParaRPr lang="en-US" dirty="0"/>
           </a:p>
@@ -2040,7 +2042,7 @@
           <a:p>
             <a:fld id="{3CBC1C18-307B-4F68-A007-B5B542270E8D}" type="datetimeFigureOut">
               <a:rPr lang="en-US" smtClean="0"/>
-              <a:t>3/21/2019</a:t>
+              <a:t>3/28/2019</a:t>
             </a:fld>
             <a:endParaRPr lang="en-US" dirty="0"/>
           </a:p>
@@ -2907,7 +2909,7 @@
           <a:p>
             <a:fld id="{3CBC1C18-307B-4F68-A007-B5B542270E8D}" type="datetimeFigureOut">
               <a:rPr lang="en-US" smtClean="0"/>
-              <a:t>3/21/2019</a:t>
+              <a:t>3/28/2019</a:t>
             </a:fld>
             <a:endParaRPr lang="en-US" dirty="0"/>
           </a:p>
@@ -3084,7 +3086,7 @@
           <a:p>
             <a:fld id="{D857E33E-8B18-4087-B112-809917729534}" type="datetimeFigureOut">
               <a:rPr lang="en-US" smtClean="0"/>
-              <a:t>3/21/2019</a:t>
+              <a:t>3/28/2019</a:t>
             </a:fld>
             <a:endParaRPr lang="en-US" dirty="0"/>
           </a:p>
@@ -3269,7 +3271,7 @@
           <a:p>
             <a:fld id="{D3FFE419-2371-464F-8239-3959401C3561}" type="datetimeFigureOut">
               <a:rPr lang="en-US" smtClean="0"/>
-              <a:t>3/21/2019</a:t>
+              <a:t>3/28/2019</a:t>
             </a:fld>
             <a:endParaRPr lang="en-US" dirty="0"/>
           </a:p>
@@ -3444,7 +3446,7 @@
           <a:p>
             <a:fld id="{97D162C4-EDD9-4389-A98B-B87ECEA2A816}" type="datetimeFigureOut">
               <a:rPr lang="en-US" smtClean="0"/>
-              <a:t>3/21/2019</a:t>
+              <a:t>3/28/2019</a:t>
             </a:fld>
             <a:endParaRPr lang="en-US" dirty="0"/>
           </a:p>
@@ -3696,7 +3698,7 @@
           <a:p>
             <a:fld id="{3E5059C3-6A89-4494-99FF-5A4D6FFD50EB}" type="datetimeFigureOut">
               <a:rPr lang="en-US" smtClean="0"/>
-              <a:t>3/21/2019</a:t>
+              <a:t>3/28/2019</a:t>
             </a:fld>
             <a:endParaRPr lang="en-US" dirty="0"/>
           </a:p>
@@ -3993,7 +3995,7 @@
           <a:p>
             <a:fld id="{CA954B2F-12DE-47F5-8894-472B206D2E1E}" type="datetimeFigureOut">
               <a:rPr lang="en-US" smtClean="0"/>
-              <a:t>3/21/2019</a:t>
+              <a:t>3/28/2019</a:t>
             </a:fld>
             <a:endParaRPr lang="en-US" dirty="0"/>
           </a:p>
@@ -4442,7 +4444,7 @@
           <a:p>
             <a:fld id="{3F30E46F-7819-4ACF-B48B-48222C2ACC88}" type="datetimeFigureOut">
               <a:rPr lang="en-US" smtClean="0"/>
-              <a:t>3/21/2019</a:t>
+              <a:t>3/28/2019</a:t>
             </a:fld>
             <a:endParaRPr lang="en-US" dirty="0"/>
           </a:p>
@@ -4565,7 +4567,7 @@
           <a:p>
             <a:fld id="{1FAF3416-4057-4DAA-829D-4CA07428D088}" type="datetimeFigureOut">
               <a:rPr lang="en-US" smtClean="0"/>
-              <a:t>3/21/2019</a:t>
+              <a:t>3/28/2019</a:t>
             </a:fld>
             <a:endParaRPr lang="en-US" dirty="0"/>
           </a:p>
@@ -4665,7 +4667,7 @@
           <a:p>
             <a:fld id="{921D9284-D300-4297-87F7-E791DCC15DB1}" type="datetimeFigureOut">
               <a:rPr lang="en-US" smtClean="0"/>
-              <a:t>3/21/2019</a:t>
+              <a:t>3/28/2019</a:t>
             </a:fld>
             <a:endParaRPr lang="en-US" dirty="0"/>
           </a:p>
@@ -4949,7 +4951,7 @@
           <a:p>
             <a:fld id="{37D525BB-DA17-4BA0-B3C8-3AC3ABC827E6}" type="datetimeFigureOut">
               <a:rPr lang="en-US" smtClean="0"/>
-              <a:t>3/21/2019</a:t>
+              <a:t>3/28/2019</a:t>
             </a:fld>
             <a:endParaRPr lang="en-US" dirty="0"/>
           </a:p>
@@ -5229,7 +5231,7 @@
           <a:p>
             <a:fld id="{B16C4C9A-3960-41CF-A4E9-2A8FB932454B}" type="datetimeFigureOut">
               <a:rPr lang="en-US" smtClean="0"/>
-              <a:t>3/21/2019</a:t>
+              <a:t>3/28/2019</a:t>
             </a:fld>
             <a:endParaRPr lang="en-US" dirty="0"/>
           </a:p>
@@ -5663,7 +5665,7 @@
           <a:p>
             <a:fld id="{3CBC1C18-307B-4F68-A007-B5B542270E8D}" type="datetimeFigureOut">
               <a:rPr lang="en-US" smtClean="0"/>
-              <a:t>3/21/2019</a:t>
+              <a:t>3/28/2019</a:t>
             </a:fld>
             <a:endParaRPr lang="en-US" dirty="0"/>
           </a:p>
@@ -9983,6 +9985,170 @@
       </p:sp>
       <p:sp>
         <p:nvSpPr>
+          <p:cNvPr id="3" name="Subtitle 2">
+            <a:extLst>
+              <a:ext uri="{FF2B5EF4-FFF2-40B4-BE49-F238E27FC236}">
+                <a16:creationId xmlns:a16="http://schemas.microsoft.com/office/drawing/2014/main" id="{BCB325AF-321D-EA43-88DC-2E6F3DB61A7A}"/>
+              </a:ext>
+            </a:extLst>
+          </p:cNvPr>
+          <p:cNvSpPr>
+            <a:spLocks noGrp="1"/>
+          </p:cNvSpPr>
+          <p:nvPr>
+            <p:ph type="subTitle" idx="1"/>
+          </p:nvPr>
+        </p:nvSpPr>
+        <p:spPr>
+          <a:xfrm>
+            <a:off x="1154952" y="3709642"/>
+            <a:ext cx="6974911" cy="1744067"/>
+          </a:xfrm>
+        </p:spPr>
+        <p:txBody>
+          <a:bodyPr>
+            <a:spAutoFit/>
+          </a:bodyPr>
+          <a:lstStyle/>
+          <a:p>
+            <a:r>
+              <a:rPr lang="en-US" sz="1800" cap="none" dirty="0">
+                <a:solidFill>
+                  <a:schemeClr val="tx1">
+                    <a:lumMod val="85000"/>
+                    <a:lumOff val="15000"/>
+                  </a:schemeClr>
+                </a:solidFill>
+              </a:rPr>
+              <a:t>Additional features </a:t>
+            </a:r>
+          </a:p>
+          <a:p>
+            <a:pPr marL="637200" lvl="1" indent="-342900" algn="l">
+              <a:buClr>
+                <a:schemeClr val="tx1">
+                  <a:lumMod val="75000"/>
+                  <a:lumOff val="25000"/>
+                </a:schemeClr>
+              </a:buClr>
+              <a:buFont typeface="Arial" panose="020B0604020202020204" pitchFamily="34" charset="0"/>
+              <a:buChar char="•"/>
+            </a:pPr>
+            <a:r>
+              <a:rPr lang="en-US" sz="1400" cap="none" dirty="0">
+                <a:solidFill>
+                  <a:schemeClr val="tx1">
+                    <a:lumMod val="85000"/>
+                    <a:lumOff val="15000"/>
+                  </a:schemeClr>
+                </a:solidFill>
+              </a:rPr>
+              <a:t>Accessibility options: Different font sizes, different colour sche</a:t>
+            </a:r>
+            <a:r>
+              <a:rPr lang="en-US" sz="1400" dirty="0">
+                <a:solidFill>
+                  <a:schemeClr val="tx1">
+                    <a:lumMod val="85000"/>
+                    <a:lumOff val="15000"/>
+                  </a:schemeClr>
+                </a:solidFill>
+              </a:rPr>
+              <a:t>mes</a:t>
+            </a:r>
+            <a:r>
+              <a:rPr lang="en-US" sz="1400" cap="none" dirty="0">
+                <a:solidFill>
+                  <a:schemeClr val="tx1">
+                    <a:lumMod val="85000"/>
+                    <a:lumOff val="15000"/>
+                  </a:schemeClr>
+                </a:solidFill>
+              </a:rPr>
+              <a:t>, etc.</a:t>
+            </a:r>
+          </a:p>
+          <a:p>
+            <a:pPr marL="637200" lvl="1" indent="-342900" algn="l">
+              <a:buClr>
+                <a:schemeClr val="tx1">
+                  <a:lumMod val="75000"/>
+                  <a:lumOff val="25000"/>
+                </a:schemeClr>
+              </a:buClr>
+              <a:buFont typeface="Arial" panose="020B0604020202020204" pitchFamily="34" charset="0"/>
+              <a:buChar char="•"/>
+            </a:pPr>
+            <a:r>
+              <a:rPr lang="en-US" sz="1400" dirty="0">
+                <a:solidFill>
+                  <a:schemeClr val="tx1">
+                    <a:lumMod val="85000"/>
+                    <a:lumOff val="15000"/>
+                  </a:schemeClr>
+                </a:solidFill>
+              </a:rPr>
+              <a:t>Ability to change themes of the cards</a:t>
+            </a:r>
+            <a:endParaRPr lang="en-US" sz="1400" cap="none" dirty="0">
+              <a:solidFill>
+                <a:schemeClr val="tx1">
+                  <a:lumMod val="85000"/>
+                  <a:lumOff val="15000"/>
+                </a:schemeClr>
+              </a:solidFill>
+            </a:endParaRPr>
+          </a:p>
+          <a:p>
+            <a:pPr marL="637200" lvl="1" indent="-342900" algn="l">
+              <a:buClr>
+                <a:schemeClr val="tx1">
+                  <a:lumMod val="75000"/>
+                  <a:lumOff val="25000"/>
+                </a:schemeClr>
+              </a:buClr>
+              <a:buFont typeface="Arial" panose="020B0604020202020204" pitchFamily="34" charset="0"/>
+              <a:buChar char="•"/>
+            </a:pPr>
+            <a:r>
+              <a:rPr lang="en-US" sz="1400" dirty="0">
+                <a:solidFill>
+                  <a:schemeClr val="tx1">
+                    <a:lumMod val="85000"/>
+                    <a:lumOff val="15000"/>
+                  </a:schemeClr>
+                </a:solidFill>
+              </a:rPr>
+              <a:t>Gesture commands (Encourages understanding of social cues)</a:t>
+            </a:r>
+          </a:p>
+          <a:p>
+            <a:pPr marL="637200" lvl="1" indent="-342900" algn="l">
+              <a:buClr>
+                <a:schemeClr val="tx1">
+                  <a:lumMod val="75000"/>
+                  <a:lumOff val="25000"/>
+                </a:schemeClr>
+              </a:buClr>
+              <a:buFont typeface="Arial" panose="020B0604020202020204" pitchFamily="34" charset="0"/>
+              <a:buChar char="•"/>
+            </a:pPr>
+            <a:r>
+              <a:rPr lang="en-US" sz="1400" dirty="0">
+                <a:solidFill>
+                  <a:schemeClr val="tx1">
+                    <a:lumMod val="85000"/>
+                    <a:lumOff val="15000"/>
+                  </a:schemeClr>
+                </a:solidFill>
+              </a:rPr>
+              <a:t>Simplified card scores e.g. stars instead of numbers</a:t>
+            </a:r>
+          </a:p>
+        </p:txBody>
+      </p:sp>
+      <p:sp>
+        <p:nvSpPr>
           <p:cNvPr id="2" name="Title 1">
             <a:extLst>
               <a:ext uri="{FF2B5EF4-FFF2-40B4-BE49-F238E27FC236}">
@@ -10012,7 +10178,7 @@
             <a:pPr algn="ctr"/>
             <a:r>
               <a:rPr lang="en-US" sz="5400" dirty="0"/>
-              <a:t>Research</a:t>
+              <a:t>Overview</a:t>
             </a:r>
           </a:p>
         </p:txBody>
@@ -10070,10 +10236,381 @@
           </a:fontRef>
         </p:style>
       </p:sp>
+      <p:sp>
+        <p:nvSpPr>
+          <p:cNvPr id="12" name="Subtitle 2">
+            <a:extLst>
+              <a:ext uri="{FF2B5EF4-FFF2-40B4-BE49-F238E27FC236}">
+                <a16:creationId xmlns:a16="http://schemas.microsoft.com/office/drawing/2014/main" id="{D19CA776-30C8-E342-AB90-D12A87398553}"/>
+              </a:ext>
+            </a:extLst>
+          </p:cNvPr>
+          <p:cNvSpPr txBox="1">
+            <a:spLocks/>
+          </p:cNvSpPr>
+          <p:nvPr/>
+        </p:nvSpPr>
+        <p:spPr>
+          <a:xfrm>
+            <a:off x="1154953" y="1597729"/>
+            <a:ext cx="6974911" cy="2144177"/>
+          </a:xfrm>
+          <a:prstGeom prst="rect">
+            <a:avLst/>
+          </a:prstGeom>
+        </p:spPr>
+        <p:txBody>
+          <a:bodyPr vert="horz" lIns="91440" tIns="45720" rIns="91440" bIns="45720" rtlCol="0" anchor="t">
+            <a:spAutoFit/>
+          </a:bodyPr>
+          <a:lstStyle>
+            <a:lvl1pPr marL="0" indent="0" algn="l" defTabSz="457200" rtl="0" eaLnBrk="1" latinLnBrk="0" hangingPunct="1">
+              <a:spcBef>
+                <a:spcPts val="1000"/>
+              </a:spcBef>
+              <a:spcAft>
+                <a:spcPts val="0"/>
+              </a:spcAft>
+              <a:buClr>
+                <a:schemeClr val="bg2">
+                  <a:lumMod val="40000"/>
+                  <a:lumOff val="60000"/>
+                </a:schemeClr>
+              </a:buClr>
+              <a:buSzPct val="80000"/>
+              <a:buFont typeface="Wingdings 3" charset="2"/>
+              <a:buNone/>
+              <a:defRPr sz="2000" b="0" i="0" kern="1200" cap="all">
+                <a:solidFill>
+                  <a:schemeClr val="bg2">
+                    <a:lumMod val="40000"/>
+                    <a:lumOff val="60000"/>
+                  </a:schemeClr>
+                </a:solidFill>
+                <a:latin typeface="+mj-lt"/>
+                <a:ea typeface="+mj-ea"/>
+                <a:cs typeface="+mj-cs"/>
+              </a:defRPr>
+            </a:lvl1pPr>
+            <a:lvl2pPr marL="457200" indent="0" algn="ctr" defTabSz="457200" rtl="0" eaLnBrk="1" latinLnBrk="0" hangingPunct="1">
+              <a:spcBef>
+                <a:spcPts val="1000"/>
+              </a:spcBef>
+              <a:spcAft>
+                <a:spcPts val="0"/>
+              </a:spcAft>
+              <a:buClr>
+                <a:schemeClr val="bg2">
+                  <a:lumMod val="40000"/>
+                  <a:lumOff val="60000"/>
+                </a:schemeClr>
+              </a:buClr>
+              <a:buSzPct val="80000"/>
+              <a:buFont typeface="Wingdings 3" charset="2"/>
+              <a:buNone/>
+              <a:defRPr sz="1800" b="0" i="0" kern="1200">
+                <a:solidFill>
+                  <a:schemeClr val="tx1">
+                    <a:tint val="75000"/>
+                  </a:schemeClr>
+                </a:solidFill>
+                <a:latin typeface="+mj-lt"/>
+                <a:ea typeface="+mj-ea"/>
+                <a:cs typeface="+mj-cs"/>
+              </a:defRPr>
+            </a:lvl2pPr>
+            <a:lvl3pPr marL="914400" indent="0" algn="ctr" defTabSz="457200" rtl="0" eaLnBrk="1" latinLnBrk="0" hangingPunct="1">
+              <a:spcBef>
+                <a:spcPts val="1000"/>
+              </a:spcBef>
+              <a:spcAft>
+                <a:spcPts val="0"/>
+              </a:spcAft>
+              <a:buClr>
+                <a:schemeClr val="bg2">
+                  <a:lumMod val="40000"/>
+                  <a:lumOff val="60000"/>
+                </a:schemeClr>
+              </a:buClr>
+              <a:buSzPct val="80000"/>
+              <a:buFont typeface="Wingdings 3" charset="2"/>
+              <a:buNone/>
+              <a:defRPr sz="1600" b="0" i="0" kern="1200">
+                <a:solidFill>
+                  <a:schemeClr val="tx1">
+                    <a:tint val="75000"/>
+                  </a:schemeClr>
+                </a:solidFill>
+                <a:latin typeface="+mj-lt"/>
+                <a:ea typeface="+mj-ea"/>
+                <a:cs typeface="+mj-cs"/>
+              </a:defRPr>
+            </a:lvl3pPr>
+            <a:lvl4pPr marL="1371600" indent="0" algn="ctr" defTabSz="457200" rtl="0" eaLnBrk="1" latinLnBrk="0" hangingPunct="1">
+              <a:spcBef>
+                <a:spcPts val="1000"/>
+              </a:spcBef>
+              <a:spcAft>
+                <a:spcPts val="0"/>
+              </a:spcAft>
+              <a:buClr>
+                <a:schemeClr val="bg2">
+                  <a:lumMod val="40000"/>
+                  <a:lumOff val="60000"/>
+                </a:schemeClr>
+              </a:buClr>
+              <a:buSzPct val="80000"/>
+              <a:buFont typeface="Wingdings 3" charset="2"/>
+              <a:buNone/>
+              <a:defRPr sz="1400" b="0" i="0" kern="1200">
+                <a:solidFill>
+                  <a:schemeClr val="tx1">
+                    <a:tint val="75000"/>
+                  </a:schemeClr>
+                </a:solidFill>
+                <a:latin typeface="+mj-lt"/>
+                <a:ea typeface="+mj-ea"/>
+                <a:cs typeface="+mj-cs"/>
+              </a:defRPr>
+            </a:lvl4pPr>
+            <a:lvl5pPr marL="1828800" indent="0" algn="ctr" defTabSz="457200" rtl="0" eaLnBrk="1" latinLnBrk="0" hangingPunct="1">
+              <a:spcBef>
+                <a:spcPts val="1000"/>
+              </a:spcBef>
+              <a:spcAft>
+                <a:spcPts val="0"/>
+              </a:spcAft>
+              <a:buClr>
+                <a:schemeClr val="bg2">
+                  <a:lumMod val="40000"/>
+                  <a:lumOff val="60000"/>
+                </a:schemeClr>
+              </a:buClr>
+              <a:buSzPct val="80000"/>
+              <a:buFont typeface="Wingdings 3" charset="2"/>
+              <a:buNone/>
+              <a:defRPr sz="1400" b="0" i="0" kern="1200">
+                <a:solidFill>
+                  <a:schemeClr val="tx1">
+                    <a:tint val="75000"/>
+                  </a:schemeClr>
+                </a:solidFill>
+                <a:latin typeface="+mj-lt"/>
+                <a:ea typeface="+mj-ea"/>
+                <a:cs typeface="+mj-cs"/>
+              </a:defRPr>
+            </a:lvl5pPr>
+            <a:lvl6pPr marL="2286000" indent="0" algn="ctr" defTabSz="457200" rtl="0" eaLnBrk="1" latinLnBrk="0" hangingPunct="1">
+              <a:spcBef>
+                <a:spcPts val="1000"/>
+              </a:spcBef>
+              <a:spcAft>
+                <a:spcPts val="0"/>
+              </a:spcAft>
+              <a:buClr>
+                <a:schemeClr val="bg2">
+                  <a:lumMod val="40000"/>
+                  <a:lumOff val="60000"/>
+                </a:schemeClr>
+              </a:buClr>
+              <a:buSzPct val="80000"/>
+              <a:buFont typeface="Wingdings 3" charset="2"/>
+              <a:buNone/>
+              <a:defRPr sz="1400" b="0" i="0" kern="1200">
+                <a:solidFill>
+                  <a:schemeClr val="tx1">
+                    <a:tint val="75000"/>
+                  </a:schemeClr>
+                </a:solidFill>
+                <a:latin typeface="+mj-lt"/>
+                <a:ea typeface="+mj-ea"/>
+                <a:cs typeface="+mj-cs"/>
+              </a:defRPr>
+            </a:lvl6pPr>
+            <a:lvl7pPr marL="2743200" indent="0" algn="ctr" defTabSz="457200" rtl="0" eaLnBrk="1" latinLnBrk="0" hangingPunct="1">
+              <a:spcBef>
+                <a:spcPts val="1000"/>
+              </a:spcBef>
+              <a:spcAft>
+                <a:spcPts val="0"/>
+              </a:spcAft>
+              <a:buClr>
+                <a:schemeClr val="bg2">
+                  <a:lumMod val="40000"/>
+                  <a:lumOff val="60000"/>
+                </a:schemeClr>
+              </a:buClr>
+              <a:buSzPct val="80000"/>
+              <a:buFont typeface="Wingdings 3" charset="2"/>
+              <a:buNone/>
+              <a:defRPr sz="1400" b="0" i="0" kern="1200">
+                <a:solidFill>
+                  <a:schemeClr val="tx1">
+                    <a:tint val="75000"/>
+                  </a:schemeClr>
+                </a:solidFill>
+                <a:latin typeface="+mj-lt"/>
+                <a:ea typeface="+mj-ea"/>
+                <a:cs typeface="+mj-cs"/>
+              </a:defRPr>
+            </a:lvl7pPr>
+            <a:lvl8pPr marL="3200400" indent="0" algn="ctr" defTabSz="457200" rtl="0" eaLnBrk="1" latinLnBrk="0" hangingPunct="1">
+              <a:spcBef>
+                <a:spcPts val="1000"/>
+              </a:spcBef>
+              <a:spcAft>
+                <a:spcPts val="0"/>
+              </a:spcAft>
+              <a:buClr>
+                <a:schemeClr val="bg2">
+                  <a:lumMod val="40000"/>
+                  <a:lumOff val="60000"/>
+                </a:schemeClr>
+              </a:buClr>
+              <a:buSzPct val="80000"/>
+              <a:buFont typeface="Wingdings 3" charset="2"/>
+              <a:buNone/>
+              <a:defRPr sz="1400" b="0" i="0" kern="1200">
+                <a:solidFill>
+                  <a:schemeClr val="tx1">
+                    <a:tint val="75000"/>
+                  </a:schemeClr>
+                </a:solidFill>
+                <a:latin typeface="+mj-lt"/>
+                <a:ea typeface="+mj-ea"/>
+                <a:cs typeface="+mj-cs"/>
+              </a:defRPr>
+            </a:lvl8pPr>
+            <a:lvl9pPr marL="3657600" indent="0" algn="ctr" defTabSz="457200" rtl="0" eaLnBrk="1" latinLnBrk="0" hangingPunct="1">
+              <a:spcBef>
+                <a:spcPts val="1000"/>
+              </a:spcBef>
+              <a:spcAft>
+                <a:spcPts val="0"/>
+              </a:spcAft>
+              <a:buClr>
+                <a:schemeClr val="bg2">
+                  <a:lumMod val="40000"/>
+                  <a:lumOff val="60000"/>
+                </a:schemeClr>
+              </a:buClr>
+              <a:buSzPct val="80000"/>
+              <a:buFont typeface="Wingdings 3" charset="2"/>
+              <a:buNone/>
+              <a:defRPr sz="1400" b="0" i="0" kern="1200">
+                <a:solidFill>
+                  <a:schemeClr val="tx1">
+                    <a:tint val="75000"/>
+                  </a:schemeClr>
+                </a:solidFill>
+                <a:latin typeface="+mj-lt"/>
+                <a:ea typeface="+mj-ea"/>
+                <a:cs typeface="+mj-cs"/>
+              </a:defRPr>
+            </a:lvl9pPr>
+          </a:lstStyle>
+          <a:p>
+            <a:r>
+              <a:rPr lang="en-US" cap="none" dirty="0">
+                <a:solidFill>
+                  <a:schemeClr val="tx1">
+                    <a:lumMod val="85000"/>
+                    <a:lumOff val="15000"/>
+                  </a:schemeClr>
+                </a:solidFill>
+              </a:rPr>
+              <a:t>Application core features</a:t>
+            </a:r>
+          </a:p>
+          <a:p>
+            <a:pPr marL="637200" lvl="1" indent="-342900" algn="l">
+              <a:buClr>
+                <a:schemeClr val="tx1">
+                  <a:lumMod val="75000"/>
+                  <a:lumOff val="25000"/>
+                </a:schemeClr>
+              </a:buClr>
+              <a:buFont typeface="Arial" panose="020B0604020202020204" pitchFamily="34" charset="0"/>
+              <a:buChar char="•"/>
+            </a:pPr>
+            <a:r>
+              <a:rPr lang="en-US" sz="1600" dirty="0">
+                <a:solidFill>
+                  <a:schemeClr val="tx1">
+                    <a:lumMod val="85000"/>
+                    <a:lumOff val="15000"/>
+                  </a:schemeClr>
+                </a:solidFill>
+              </a:rPr>
+              <a:t>Top Trumps style card game with AR models appearing in the play space</a:t>
+            </a:r>
+          </a:p>
+          <a:p>
+            <a:pPr marL="637200" lvl="1" indent="-342900" algn="l">
+              <a:buClr>
+                <a:schemeClr val="tx1">
+                  <a:lumMod val="75000"/>
+                  <a:lumOff val="25000"/>
+                </a:schemeClr>
+              </a:buClr>
+              <a:buFont typeface="Arial" panose="020B0604020202020204" pitchFamily="34" charset="0"/>
+              <a:buChar char="•"/>
+            </a:pPr>
+            <a:r>
+              <a:rPr lang="en-US" sz="1600" dirty="0">
+                <a:solidFill>
+                  <a:schemeClr val="tx1">
+                    <a:lumMod val="85000"/>
+                    <a:lumOff val="15000"/>
+                  </a:schemeClr>
+                </a:solidFill>
+              </a:rPr>
+              <a:t>Up to 4 players in one game</a:t>
+            </a:r>
+          </a:p>
+          <a:p>
+            <a:pPr marL="637200" lvl="1" indent="-342900" algn="l">
+              <a:buClr>
+                <a:schemeClr val="tx1">
+                  <a:lumMod val="75000"/>
+                  <a:lumOff val="25000"/>
+                </a:schemeClr>
+              </a:buClr>
+              <a:buFont typeface="Arial" panose="020B0604020202020204" pitchFamily="34" charset="0"/>
+              <a:buChar char="•"/>
+            </a:pPr>
+            <a:r>
+              <a:rPr lang="en-US" sz="1600" dirty="0">
+                <a:solidFill>
+                  <a:schemeClr val="tx1">
+                    <a:lumMod val="85000"/>
+                    <a:lumOff val="15000"/>
+                  </a:schemeClr>
+                </a:solidFill>
+              </a:rPr>
+              <a:t>Basic rules that can be understood by young children</a:t>
+            </a:r>
+          </a:p>
+          <a:p>
+            <a:pPr marL="342900" indent="-342900">
+              <a:buFont typeface="Arial" panose="020B0604020202020204" pitchFamily="34" charset="0"/>
+              <a:buChar char="•"/>
+            </a:pPr>
+            <a:endParaRPr lang="en-US" sz="1600" dirty="0">
+              <a:solidFill>
+                <a:schemeClr val="tx1">
+                  <a:lumMod val="85000"/>
+                  <a:lumOff val="15000"/>
+                </a:schemeClr>
+              </a:solidFill>
+            </a:endParaRPr>
+          </a:p>
+        </p:txBody>
+      </p:sp>
     </p:spTree>
     <p:extLst>
       <p:ext uri="{BB962C8B-B14F-4D97-AF65-F5344CB8AC3E}">
-        <p14:creationId xmlns:p14="http://schemas.microsoft.com/office/powerpoint/2010/main" val="2053564082"/>
+        <p14:creationId xmlns:p14="http://schemas.microsoft.com/office/powerpoint/2010/main" val="2909765210"/>
       </p:ext>
     </p:extLst>
   </p:cSld>
@@ -10088,7 +10625,7 @@
   <p:cSld>
     <p:bg>
       <p:bgPr>
-        <a:gradFill>
+        <a:gradFill rotWithShape="1">
           <a:gsLst>
             <a:gs pos="0">
               <a:schemeClr val="bg2">
@@ -11121,7 +11658,7 @@
             <a:pPr algn="ctr"/>
             <a:r>
               <a:rPr lang="en-US" sz="5400" dirty="0"/>
-              <a:t>Design</a:t>
+              <a:t>Research</a:t>
             </a:r>
           </a:p>
         </p:txBody>
@@ -11179,10 +11716,2264 @@
           </a:fontRef>
         </p:style>
       </p:sp>
+      <p:sp>
+        <p:nvSpPr>
+          <p:cNvPr id="5" name="TextBox 4">
+            <a:extLst>
+              <a:ext uri="{FF2B5EF4-FFF2-40B4-BE49-F238E27FC236}">
+                <a16:creationId xmlns:a16="http://schemas.microsoft.com/office/drawing/2014/main" id="{15AB325D-4AA9-4C4B-9869-8C9C247E66A8}"/>
+              </a:ext>
+            </a:extLst>
+          </p:cNvPr>
+          <p:cNvSpPr txBox="1"/>
+          <p:nvPr/>
+        </p:nvSpPr>
+        <p:spPr>
+          <a:xfrm>
+            <a:off x="1375317" y="1561171"/>
+            <a:ext cx="6974910" cy="369332"/>
+          </a:xfrm>
+          <a:prstGeom prst="rect">
+            <a:avLst/>
+          </a:prstGeom>
+          <a:noFill/>
+        </p:spPr>
+        <p:txBody>
+          <a:bodyPr wrap="square" rtlCol="0">
+            <a:spAutoFit/>
+          </a:bodyPr>
+          <a:lstStyle/>
+          <a:p>
+            <a:pPr marL="285750" indent="-285750">
+              <a:buFont typeface="Arial" panose="020B0604020202020204" pitchFamily="34" charset="0"/>
+              <a:buChar char="•"/>
+            </a:pPr>
+            <a:endParaRPr lang="en-GB" dirty="0"/>
+          </a:p>
+        </p:txBody>
+      </p:sp>
+    </p:spTree>
+    <p:extLst>
+      <p:ext uri="{BB962C8B-B14F-4D97-AF65-F5344CB8AC3E}">
+        <p14:creationId xmlns:p14="http://schemas.microsoft.com/office/powerpoint/2010/main" val="2053564082"/>
+      </p:ext>
+    </p:extLst>
+  </p:cSld>
+  <p:clrMapOvr>
+    <a:overrideClrMapping bg1="lt1" tx1="dk1" bg2="lt2" tx2="dk2" accent1="accent1" accent2="accent2" accent3="accent3" accent4="accent4" accent5="accent5" accent6="accent6" hlink="hlink" folHlink="folHlink"/>
+  </p:clrMapOvr>
+</p:sld>
+</file>
+
+<file path=ppt/slides/slide5.xml><?xml version="1.0" encoding="utf-8"?>
+<p:sld xmlns:a="http://schemas.openxmlformats.org/drawingml/2006/main" xmlns:r="http://schemas.openxmlformats.org/officeDocument/2006/relationships" xmlns:p="http://schemas.openxmlformats.org/presentationml/2006/main">
+  <p:cSld>
+    <p:bg>
+      <p:bgPr>
+        <a:gradFill>
+          <a:gsLst>
+            <a:gs pos="0">
+              <a:schemeClr val="bg2">
+                <a:tint val="97000"/>
+                <a:hueMod val="88000"/>
+                <a:satMod val="130000"/>
+                <a:lumMod val="124000"/>
+              </a:schemeClr>
+            </a:gs>
+            <a:gs pos="100000">
+              <a:schemeClr val="bg2">
+                <a:tint val="96000"/>
+                <a:shade val="88000"/>
+                <a:hueMod val="108000"/>
+                <a:satMod val="164000"/>
+                <a:lumMod val="76000"/>
+              </a:schemeClr>
+            </a:gs>
+          </a:gsLst>
+          <a:path path="circle">
+            <a:fillToRect l="45000" t="65000" r="125000" b="100000"/>
+          </a:path>
+        </a:gradFill>
+        <a:effectLst/>
+      </p:bgPr>
+    </p:bg>
+    <p:spTree>
+      <p:nvGrpSpPr>
+        <p:cNvPr id="1" name=""/>
+        <p:cNvGrpSpPr/>
+        <p:nvPr/>
+      </p:nvGrpSpPr>
+      <p:grpSpPr>
+        <a:xfrm>
+          <a:off x="0" y="0"/>
+          <a:ext cx="0" cy="0"/>
+          <a:chOff x="0" y="0"/>
+          <a:chExt cx="0" cy="0"/>
+        </a:xfrm>
+      </p:grpSpPr>
+      <p:sp>
+        <p:nvSpPr>
+          <p:cNvPr id="32" name="Rectangle 31">
+            <a:extLst>
+              <a:ext uri="{FF2B5EF4-FFF2-40B4-BE49-F238E27FC236}">
+                <a16:creationId xmlns:a16="http://schemas.microsoft.com/office/drawing/2014/main" id="{DE27238C-8EAF-4098-86E6-7723B7DAE601}"/>
+              </a:ext>
+              <a:ext uri="{C183D7F6-B498-43B3-948B-1728B52AA6E4}">
+                <adec:decorative xmlns:adec="http://schemas.microsoft.com/office/drawing/2017/decorative" val="1"/>
+              </a:ext>
+            </a:extLst>
+          </p:cNvPr>
+          <p:cNvSpPr>
+            <a:spLocks noGrp="1" noRot="1" noChangeAspect="1" noMove="1" noResize="1" noEditPoints="1" noAdjustHandles="1" noChangeArrowheads="1" noChangeShapeType="1" noTextEdit="1"/>
+          </p:cNvSpPr>
+          <p:nvPr>
+            <p:extLst>
+              <p:ext uri="{386F3935-93C4-4BCD-93E2-E3B085C9AB24}">
+                <p16:designElem xmlns:p16="http://schemas.microsoft.com/office/powerpoint/2015/main" val="1"/>
+              </p:ext>
+            </p:extLst>
+          </p:nvPr>
+        </p:nvSpPr>
+        <p:spPr>
+          <a:xfrm>
+            <a:off x="1" y="0"/>
+            <a:ext cx="12192000" cy="6858000"/>
+          </a:xfrm>
+          <a:prstGeom prst="rect">
+            <a:avLst/>
+          </a:prstGeom>
+          <a:solidFill>
+            <a:schemeClr val="tx2"/>
+          </a:solidFill>
+          <a:ln>
+            <a:noFill/>
+          </a:ln>
+        </p:spPr>
+        <p:style>
+          <a:lnRef idx="2">
+            <a:schemeClr val="accent1">
+              <a:shade val="50000"/>
+            </a:schemeClr>
+          </a:lnRef>
+          <a:fillRef idx="1003">
+            <a:schemeClr val="dk2"/>
+          </a:fillRef>
+          <a:effectRef idx="0">
+            <a:schemeClr val="accent1"/>
+          </a:effectRef>
+          <a:fontRef idx="minor">
+            <a:schemeClr val="lt1"/>
+          </a:fontRef>
+        </p:style>
+        <p:txBody>
+          <a:bodyPr rtlCol="0" anchor="ctr"/>
+          <a:lstStyle/>
+          <a:p>
+            <a:pPr algn="ctr"/>
+            <a:endParaRPr lang="en-US"/>
+          </a:p>
+        </p:txBody>
+      </p:sp>
+      <p:sp>
+        <p:nvSpPr>
+          <p:cNvPr id="34" name="Freeform 36">
+            <a:extLst>
+              <a:ext uri="{FF2B5EF4-FFF2-40B4-BE49-F238E27FC236}">
+                <a16:creationId xmlns:a16="http://schemas.microsoft.com/office/drawing/2014/main" id="{992F97B1-1891-4FCC-9E5F-BA97EDB48F89}"/>
+              </a:ext>
+              <a:ext uri="{C183D7F6-B498-43B3-948B-1728B52AA6E4}">
+                <adec:decorative xmlns:adec="http://schemas.microsoft.com/office/drawing/2017/decorative" val="1"/>
+              </a:ext>
+            </a:extLst>
+          </p:cNvPr>
+          <p:cNvSpPr>
+            <a:spLocks noGrp="1" noRot="1" noChangeAspect="1" noMove="1" noResize="1" noEditPoints="1" noAdjustHandles="1" noChangeArrowheads="1" noChangeShapeType="1" noTextEdit="1"/>
+          </p:cNvSpPr>
+          <p:nvPr>
+            <p:extLst>
+              <p:ext uri="{386F3935-93C4-4BCD-93E2-E3B085C9AB24}">
+                <p16:designElem xmlns:p16="http://schemas.microsoft.com/office/powerpoint/2015/main" val="1"/>
+              </p:ext>
+            </p:extLst>
+          </p:nvPr>
+        </p:nvSpPr>
+        <p:spPr>
+          <a:xfrm flipH="1">
+            <a:off x="9351010" y="0"/>
+            <a:ext cx="559472" cy="3709642"/>
+          </a:xfrm>
+          <a:custGeom>
+            <a:avLst/>
+            <a:gdLst>
+              <a:gd name="connsiteX0" fmla="*/ 0 w 559472"/>
+              <a:gd name="connsiteY0" fmla="*/ 0 h 3709642"/>
+              <a:gd name="connsiteX1" fmla="*/ 473952 w 559472"/>
+              <a:gd name="connsiteY1" fmla="*/ 0 h 3709642"/>
+              <a:gd name="connsiteX2" fmla="*/ 485840 w 559472"/>
+              <a:gd name="connsiteY2" fmla="*/ 161194 h 3709642"/>
+              <a:gd name="connsiteX3" fmla="*/ 523949 w 559472"/>
+              <a:gd name="connsiteY3" fmla="*/ 3672197 h 3709642"/>
+              <a:gd name="connsiteX4" fmla="*/ 454748 w 559472"/>
+              <a:gd name="connsiteY4" fmla="*/ 3709642 h 3709642"/>
+              <a:gd name="connsiteX5" fmla="*/ 448224 w 559472"/>
+              <a:gd name="connsiteY5" fmla="*/ 3510471 h 3709642"/>
+              <a:gd name="connsiteX6" fmla="*/ 443564 w 559472"/>
+              <a:gd name="connsiteY6" fmla="*/ 3408563 h 3709642"/>
+              <a:gd name="connsiteX7" fmla="*/ 438902 w 559472"/>
+              <a:gd name="connsiteY7" fmla="*/ 3304407 h 3709642"/>
+              <a:gd name="connsiteX8" fmla="*/ 433941 w 559472"/>
+              <a:gd name="connsiteY8" fmla="*/ 3198777 h 3709642"/>
+              <a:gd name="connsiteX9" fmla="*/ 427584 w 559472"/>
+              <a:gd name="connsiteY9" fmla="*/ 3092510 h 3709642"/>
+              <a:gd name="connsiteX10" fmla="*/ 420988 w 559472"/>
+              <a:gd name="connsiteY10" fmla="*/ 2984390 h 3709642"/>
+              <a:gd name="connsiteX11" fmla="*/ 414330 w 559472"/>
+              <a:gd name="connsiteY11" fmla="*/ 2874401 h 3709642"/>
+              <a:gd name="connsiteX12" fmla="*/ 406840 w 559472"/>
+              <a:gd name="connsiteY12" fmla="*/ 2762980 h 3709642"/>
+              <a:gd name="connsiteX13" fmla="*/ 397745 w 559472"/>
+              <a:gd name="connsiteY13" fmla="*/ 2650566 h 3709642"/>
+              <a:gd name="connsiteX14" fmla="*/ 389154 w 559472"/>
+              <a:gd name="connsiteY14" fmla="*/ 2536612 h 3709642"/>
+              <a:gd name="connsiteX15" fmla="*/ 379225 w 559472"/>
+              <a:gd name="connsiteY15" fmla="*/ 2421642 h 3709642"/>
+              <a:gd name="connsiteX16" fmla="*/ 368316 w 559472"/>
+              <a:gd name="connsiteY16" fmla="*/ 2305627 h 3709642"/>
+              <a:gd name="connsiteX17" fmla="*/ 357466 w 559472"/>
+              <a:gd name="connsiteY17" fmla="*/ 2189233 h 3709642"/>
+              <a:gd name="connsiteX18" fmla="*/ 344982 w 559472"/>
+              <a:gd name="connsiteY18" fmla="*/ 2071473 h 3709642"/>
+              <a:gd name="connsiteX19" fmla="*/ 332466 w 559472"/>
+              <a:gd name="connsiteY19" fmla="*/ 1952216 h 3709642"/>
+              <a:gd name="connsiteX20" fmla="*/ 319121 w 559472"/>
+              <a:gd name="connsiteY20" fmla="*/ 1833776 h 3709642"/>
+              <a:gd name="connsiteX21" fmla="*/ 304408 w 559472"/>
+              <a:gd name="connsiteY21" fmla="*/ 1713948 h 3709642"/>
+              <a:gd name="connsiteX22" fmla="*/ 288685 w 559472"/>
+              <a:gd name="connsiteY22" fmla="*/ 1592703 h 3709642"/>
+              <a:gd name="connsiteX23" fmla="*/ 273050 w 559472"/>
+              <a:gd name="connsiteY23" fmla="*/ 1471451 h 3709642"/>
+              <a:gd name="connsiteX24" fmla="*/ 255813 w 559472"/>
+              <a:gd name="connsiteY24" fmla="*/ 1350328 h 3709642"/>
+              <a:gd name="connsiteX25" fmla="*/ 237060 w 559472"/>
+              <a:gd name="connsiteY25" fmla="*/ 1227080 h 3709642"/>
+              <a:gd name="connsiteX26" fmla="*/ 218488 w 559472"/>
+              <a:gd name="connsiteY26" fmla="*/ 1106065 h 3709642"/>
+              <a:gd name="connsiteX27" fmla="*/ 198221 w 559472"/>
+              <a:gd name="connsiteY27" fmla="*/ 982940 h 3709642"/>
+              <a:gd name="connsiteX28" fmla="*/ 177152 w 559472"/>
+              <a:gd name="connsiteY28" fmla="*/ 858755 h 3709642"/>
+              <a:gd name="connsiteX29" fmla="*/ 155551 w 559472"/>
+              <a:gd name="connsiteY29" fmla="*/ 736861 h 3709642"/>
+              <a:gd name="connsiteX30" fmla="*/ 131782 w 559472"/>
+              <a:gd name="connsiteY30" fmla="*/ 613645 h 3709642"/>
+              <a:gd name="connsiteX31" fmla="*/ 107123 w 559472"/>
+              <a:gd name="connsiteY31" fmla="*/ 490500 h 3709642"/>
+              <a:gd name="connsiteX32" fmla="*/ 82552 w 559472"/>
+              <a:gd name="connsiteY32" fmla="*/ 367348 h 3709642"/>
+              <a:gd name="connsiteX33" fmla="*/ 55608 w 559472"/>
+              <a:gd name="connsiteY33" fmla="*/ 244762 h 3709642"/>
+              <a:gd name="connsiteX34" fmla="*/ 28130 w 559472"/>
+              <a:gd name="connsiteY34" fmla="*/ 122220 h 3709642"/>
+              <a:gd name="connsiteX35" fmla="*/ 0 w 559472"/>
+              <a:gd name="connsiteY35" fmla="*/ 0 h 3709642"/>
+            </a:gdLst>
+            <a:ahLst/>
+            <a:cxnLst>
+              <a:cxn ang="0">
+                <a:pos x="connsiteX0" y="connsiteY0"/>
+              </a:cxn>
+              <a:cxn ang="0">
+                <a:pos x="connsiteX1" y="connsiteY1"/>
+              </a:cxn>
+              <a:cxn ang="0">
+                <a:pos x="connsiteX2" y="connsiteY2"/>
+              </a:cxn>
+              <a:cxn ang="0">
+                <a:pos x="connsiteX3" y="connsiteY3"/>
+              </a:cxn>
+              <a:cxn ang="0">
+                <a:pos x="connsiteX4" y="connsiteY4"/>
+              </a:cxn>
+              <a:cxn ang="0">
+                <a:pos x="connsiteX5" y="connsiteY5"/>
+              </a:cxn>
+              <a:cxn ang="0">
+                <a:pos x="connsiteX6" y="connsiteY6"/>
+              </a:cxn>
+              <a:cxn ang="0">
+                <a:pos x="connsiteX7" y="connsiteY7"/>
+              </a:cxn>
+              <a:cxn ang="0">
+                <a:pos x="connsiteX8" y="connsiteY8"/>
+              </a:cxn>
+              <a:cxn ang="0">
+                <a:pos x="connsiteX9" y="connsiteY9"/>
+              </a:cxn>
+              <a:cxn ang="0">
+                <a:pos x="connsiteX10" y="connsiteY10"/>
+              </a:cxn>
+              <a:cxn ang="0">
+                <a:pos x="connsiteX11" y="connsiteY11"/>
+              </a:cxn>
+              <a:cxn ang="0">
+                <a:pos x="connsiteX12" y="connsiteY12"/>
+              </a:cxn>
+              <a:cxn ang="0">
+                <a:pos x="connsiteX13" y="connsiteY13"/>
+              </a:cxn>
+              <a:cxn ang="0">
+                <a:pos x="connsiteX14" y="connsiteY14"/>
+              </a:cxn>
+              <a:cxn ang="0">
+                <a:pos x="connsiteX15" y="connsiteY15"/>
+              </a:cxn>
+              <a:cxn ang="0">
+                <a:pos x="connsiteX16" y="connsiteY16"/>
+              </a:cxn>
+              <a:cxn ang="0">
+                <a:pos x="connsiteX17" y="connsiteY17"/>
+              </a:cxn>
+              <a:cxn ang="0">
+                <a:pos x="connsiteX18" y="connsiteY18"/>
+              </a:cxn>
+              <a:cxn ang="0">
+                <a:pos x="connsiteX19" y="connsiteY19"/>
+              </a:cxn>
+              <a:cxn ang="0">
+                <a:pos x="connsiteX20" y="connsiteY20"/>
+              </a:cxn>
+              <a:cxn ang="0">
+                <a:pos x="connsiteX21" y="connsiteY21"/>
+              </a:cxn>
+              <a:cxn ang="0">
+                <a:pos x="connsiteX22" y="connsiteY22"/>
+              </a:cxn>
+              <a:cxn ang="0">
+                <a:pos x="connsiteX23" y="connsiteY23"/>
+              </a:cxn>
+              <a:cxn ang="0">
+                <a:pos x="connsiteX24" y="connsiteY24"/>
+              </a:cxn>
+              <a:cxn ang="0">
+                <a:pos x="connsiteX25" y="connsiteY25"/>
+              </a:cxn>
+              <a:cxn ang="0">
+                <a:pos x="connsiteX26" y="connsiteY26"/>
+              </a:cxn>
+              <a:cxn ang="0">
+                <a:pos x="connsiteX27" y="connsiteY27"/>
+              </a:cxn>
+              <a:cxn ang="0">
+                <a:pos x="connsiteX28" y="connsiteY28"/>
+              </a:cxn>
+              <a:cxn ang="0">
+                <a:pos x="connsiteX29" y="connsiteY29"/>
+              </a:cxn>
+              <a:cxn ang="0">
+                <a:pos x="connsiteX30" y="connsiteY30"/>
+              </a:cxn>
+              <a:cxn ang="0">
+                <a:pos x="connsiteX31" y="connsiteY31"/>
+              </a:cxn>
+              <a:cxn ang="0">
+                <a:pos x="connsiteX32" y="connsiteY32"/>
+              </a:cxn>
+              <a:cxn ang="0">
+                <a:pos x="connsiteX33" y="connsiteY33"/>
+              </a:cxn>
+              <a:cxn ang="0">
+                <a:pos x="connsiteX34" y="connsiteY34"/>
+              </a:cxn>
+              <a:cxn ang="0">
+                <a:pos x="connsiteX35" y="connsiteY35"/>
+              </a:cxn>
+            </a:cxnLst>
+            <a:rect l="l" t="t" r="r" b="b"/>
+            <a:pathLst>
+              <a:path w="559472" h="3709642">
+                <a:moveTo>
+                  <a:pt x="0" y="0"/>
+                </a:moveTo>
+                <a:lnTo>
+                  <a:pt x="473952" y="0"/>
+                </a:lnTo>
+                <a:lnTo>
+                  <a:pt x="485840" y="161194"/>
+                </a:lnTo>
+                <a:cubicBezTo>
+                  <a:pt x="552063" y="1147770"/>
+                  <a:pt x="592441" y="3086737"/>
+                  <a:pt x="523949" y="3672197"/>
+                </a:cubicBezTo>
+                <a:cubicBezTo>
+                  <a:pt x="500842" y="3684557"/>
+                  <a:pt x="477855" y="3697282"/>
+                  <a:pt x="454748" y="3709642"/>
+                </a:cubicBezTo>
+                <a:lnTo>
+                  <a:pt x="448224" y="3510471"/>
+                </a:lnTo>
+                <a:lnTo>
+                  <a:pt x="443564" y="3408563"/>
+                </a:lnTo>
+                <a:lnTo>
+                  <a:pt x="438902" y="3304407"/>
+                </a:lnTo>
+                <a:lnTo>
+                  <a:pt x="433941" y="3198777"/>
+                </a:lnTo>
+                <a:lnTo>
+                  <a:pt x="427584" y="3092510"/>
+                </a:lnTo>
+                <a:lnTo>
+                  <a:pt x="420988" y="2984390"/>
+                </a:lnTo>
+                <a:lnTo>
+                  <a:pt x="414330" y="2874401"/>
+                </a:lnTo>
+                <a:lnTo>
+                  <a:pt x="406840" y="2762980"/>
+                </a:lnTo>
+                <a:lnTo>
+                  <a:pt x="397745" y="2650566"/>
+                </a:lnTo>
+                <a:lnTo>
+                  <a:pt x="389154" y="2536612"/>
+                </a:lnTo>
+                <a:lnTo>
+                  <a:pt x="379225" y="2421642"/>
+                </a:lnTo>
+                <a:lnTo>
+                  <a:pt x="368316" y="2305627"/>
+                </a:lnTo>
+                <a:lnTo>
+                  <a:pt x="357466" y="2189233"/>
+                </a:lnTo>
+                <a:lnTo>
+                  <a:pt x="344982" y="2071473"/>
+                </a:lnTo>
+                <a:lnTo>
+                  <a:pt x="332466" y="1952216"/>
+                </a:lnTo>
+                <a:lnTo>
+                  <a:pt x="319121" y="1833776"/>
+                </a:lnTo>
+                <a:lnTo>
+                  <a:pt x="304408" y="1713948"/>
+                </a:lnTo>
+                <a:lnTo>
+                  <a:pt x="288685" y="1592703"/>
+                </a:lnTo>
+                <a:lnTo>
+                  <a:pt x="273050" y="1471451"/>
+                </a:lnTo>
+                <a:lnTo>
+                  <a:pt x="255813" y="1350328"/>
+                </a:lnTo>
+                <a:lnTo>
+                  <a:pt x="237060" y="1227080"/>
+                </a:lnTo>
+                <a:lnTo>
+                  <a:pt x="218488" y="1106065"/>
+                </a:lnTo>
+                <a:lnTo>
+                  <a:pt x="198221" y="982940"/>
+                </a:lnTo>
+                <a:lnTo>
+                  <a:pt x="177152" y="858755"/>
+                </a:lnTo>
+                <a:lnTo>
+                  <a:pt x="155551" y="736861"/>
+                </a:lnTo>
+                <a:lnTo>
+                  <a:pt x="131782" y="613645"/>
+                </a:lnTo>
+                <a:lnTo>
+                  <a:pt x="107123" y="490500"/>
+                </a:lnTo>
+                <a:lnTo>
+                  <a:pt x="82552" y="367348"/>
+                </a:lnTo>
+                <a:lnTo>
+                  <a:pt x="55608" y="244762"/>
+                </a:lnTo>
+                <a:lnTo>
+                  <a:pt x="28130" y="122220"/>
+                </a:lnTo>
+                <a:lnTo>
+                  <a:pt x="0" y="0"/>
+                </a:lnTo>
+                <a:close/>
+              </a:path>
+            </a:pathLst>
+          </a:custGeom>
+          <a:solidFill>
+            <a:schemeClr val="bg2">
+              <a:lumMod val="60000"/>
+              <a:lumOff val="40000"/>
+              <a:alpha val="20000"/>
+            </a:schemeClr>
+          </a:solidFill>
+          <a:ln>
+            <a:noFill/>
+          </a:ln>
+        </p:spPr>
+        <p:txBody>
+          <a:bodyPr rtlCol="0" anchor="ctr"/>
+          <a:lstStyle/>
+          <a:p>
+            <a:pPr algn="ctr"/>
+            <a:endParaRPr lang="en-US"/>
+          </a:p>
+        </p:txBody>
+      </p:sp>
+      <p:sp useBgFill="1">
+        <p:nvSpPr>
+          <p:cNvPr id="36" name="Freeform: Shape 35">
+            <a:extLst>
+              <a:ext uri="{FF2B5EF4-FFF2-40B4-BE49-F238E27FC236}">
+                <a16:creationId xmlns:a16="http://schemas.microsoft.com/office/drawing/2014/main" id="{78C6C821-FEE1-4EB6-9590-C021440C77DE}"/>
+              </a:ext>
+              <a:ext uri="{C183D7F6-B498-43B3-948B-1728B52AA6E4}">
+                <adec:decorative xmlns:adec="http://schemas.microsoft.com/office/drawing/2017/decorative" val="1"/>
+              </a:ext>
+            </a:extLst>
+          </p:cNvPr>
+          <p:cNvSpPr>
+            <a:spLocks noGrp="1" noRot="1" noChangeAspect="1" noMove="1" noResize="1" noEditPoints="1" noAdjustHandles="1" noChangeArrowheads="1" noChangeShapeType="1" noTextEdit="1"/>
+          </p:cNvSpPr>
+          <p:nvPr>
+            <p:extLst>
+              <p:ext uri="{386F3935-93C4-4BCD-93E2-E3B085C9AB24}">
+                <p16:designElem xmlns:p16="http://schemas.microsoft.com/office/powerpoint/2015/main" val="1"/>
+              </p:ext>
+            </p:extLst>
+          </p:nvPr>
+        </p:nvSpPr>
+        <p:spPr>
+          <a:xfrm>
+            <a:off x="-3175" y="0"/>
+            <a:ext cx="9700459" cy="6858001"/>
+          </a:xfrm>
+          <a:custGeom>
+            <a:avLst/>
+            <a:gdLst>
+              <a:gd name="connsiteX0" fmla="*/ 0 w 9700459"/>
+              <a:gd name="connsiteY0" fmla="*/ 0 h 6858001"/>
+              <a:gd name="connsiteX1" fmla="*/ 1323975 w 9700459"/>
+              <a:gd name="connsiteY1" fmla="*/ 0 h 6858001"/>
+              <a:gd name="connsiteX2" fmla="*/ 1517015 w 9700459"/>
+              <a:gd name="connsiteY2" fmla="*/ 0 h 6858001"/>
+              <a:gd name="connsiteX3" fmla="*/ 3241265 w 9700459"/>
+              <a:gd name="connsiteY3" fmla="*/ 0 h 6858001"/>
+              <a:gd name="connsiteX4" fmla="*/ 3241265 w 9700459"/>
+              <a:gd name="connsiteY4" fmla="*/ 1 h 6858001"/>
+              <a:gd name="connsiteX5" fmla="*/ 8355744 w 9700459"/>
+              <a:gd name="connsiteY5" fmla="*/ 1 h 6858001"/>
+              <a:gd name="connsiteX6" fmla="*/ 8355744 w 9700459"/>
+              <a:gd name="connsiteY6" fmla="*/ 0 h 6858001"/>
+              <a:gd name="connsiteX7" fmla="*/ 9699282 w 9700459"/>
+              <a:gd name="connsiteY7" fmla="*/ 0 h 6858001"/>
+              <a:gd name="connsiteX8" fmla="*/ 9674237 w 9700459"/>
+              <a:gd name="connsiteY8" fmla="*/ 155677 h 6858001"/>
+              <a:gd name="connsiteX9" fmla="*/ 9650368 w 9700459"/>
+              <a:gd name="connsiteY9" fmla="*/ 310668 h 6858001"/>
+              <a:gd name="connsiteX10" fmla="*/ 9627004 w 9700459"/>
+              <a:gd name="connsiteY10" fmla="*/ 466344 h 6858001"/>
+              <a:gd name="connsiteX11" fmla="*/ 9607001 w 9700459"/>
+              <a:gd name="connsiteY11" fmla="*/ 622707 h 6858001"/>
+              <a:gd name="connsiteX12" fmla="*/ 9586830 w 9700459"/>
+              <a:gd name="connsiteY12" fmla="*/ 778383 h 6858001"/>
+              <a:gd name="connsiteX13" fmla="*/ 9568004 w 9700459"/>
+              <a:gd name="connsiteY13" fmla="*/ 934746 h 6858001"/>
+              <a:gd name="connsiteX14" fmla="*/ 9551868 w 9700459"/>
+              <a:gd name="connsiteY14" fmla="*/ 1089051 h 6858001"/>
+              <a:gd name="connsiteX15" fmla="*/ 9536572 w 9700459"/>
+              <a:gd name="connsiteY15" fmla="*/ 1245413 h 6858001"/>
+              <a:gd name="connsiteX16" fmla="*/ 9522620 w 9700459"/>
+              <a:gd name="connsiteY16" fmla="*/ 1401090 h 6858001"/>
+              <a:gd name="connsiteX17" fmla="*/ 9510518 w 9700459"/>
+              <a:gd name="connsiteY17" fmla="*/ 1554023 h 6858001"/>
+              <a:gd name="connsiteX18" fmla="*/ 9498415 w 9700459"/>
+              <a:gd name="connsiteY18" fmla="*/ 1709014 h 6858001"/>
+              <a:gd name="connsiteX19" fmla="*/ 9488330 w 9700459"/>
+              <a:gd name="connsiteY19" fmla="*/ 1861947 h 6858001"/>
+              <a:gd name="connsiteX20" fmla="*/ 9480430 w 9700459"/>
+              <a:gd name="connsiteY20" fmla="*/ 2014881 h 6858001"/>
+              <a:gd name="connsiteX21" fmla="*/ 9472193 w 9700459"/>
+              <a:gd name="connsiteY21" fmla="*/ 2167128 h 6858001"/>
+              <a:gd name="connsiteX22" fmla="*/ 9465302 w 9700459"/>
+              <a:gd name="connsiteY22" fmla="*/ 2318004 h 6858001"/>
+              <a:gd name="connsiteX23" fmla="*/ 9460427 w 9700459"/>
+              <a:gd name="connsiteY23" fmla="*/ 2467509 h 6858001"/>
+              <a:gd name="connsiteX24" fmla="*/ 9456225 w 9700459"/>
+              <a:gd name="connsiteY24" fmla="*/ 2617013 h 6858001"/>
+              <a:gd name="connsiteX25" fmla="*/ 9452191 w 9700459"/>
+              <a:gd name="connsiteY25" fmla="*/ 2765146 h 6858001"/>
+              <a:gd name="connsiteX26" fmla="*/ 9450342 w 9700459"/>
+              <a:gd name="connsiteY26" fmla="*/ 2911221 h 6858001"/>
+              <a:gd name="connsiteX27" fmla="*/ 9448325 w 9700459"/>
+              <a:gd name="connsiteY27" fmla="*/ 3057297 h 6858001"/>
+              <a:gd name="connsiteX28" fmla="*/ 9447316 w 9700459"/>
+              <a:gd name="connsiteY28" fmla="*/ 3201315 h 6858001"/>
+              <a:gd name="connsiteX29" fmla="*/ 9448325 w 9700459"/>
+              <a:gd name="connsiteY29" fmla="*/ 3343961 h 6858001"/>
+              <a:gd name="connsiteX30" fmla="*/ 9448325 w 9700459"/>
+              <a:gd name="connsiteY30" fmla="*/ 3485236 h 6858001"/>
+              <a:gd name="connsiteX31" fmla="*/ 9450342 w 9700459"/>
+              <a:gd name="connsiteY31" fmla="*/ 3625139 h 6858001"/>
+              <a:gd name="connsiteX32" fmla="*/ 9453367 w 9700459"/>
+              <a:gd name="connsiteY32" fmla="*/ 3762299 h 6858001"/>
+              <a:gd name="connsiteX33" fmla="*/ 9456225 w 9700459"/>
+              <a:gd name="connsiteY33" fmla="*/ 3898087 h 6858001"/>
+              <a:gd name="connsiteX34" fmla="*/ 9459419 w 9700459"/>
+              <a:gd name="connsiteY34" fmla="*/ 4031133 h 6858001"/>
+              <a:gd name="connsiteX35" fmla="*/ 9464293 w 9700459"/>
+              <a:gd name="connsiteY35" fmla="*/ 4163492 h 6858001"/>
+              <a:gd name="connsiteX36" fmla="*/ 9469504 w 9700459"/>
+              <a:gd name="connsiteY36" fmla="*/ 4293793 h 6858001"/>
+              <a:gd name="connsiteX37" fmla="*/ 9474210 w 9700459"/>
+              <a:gd name="connsiteY37" fmla="*/ 4421352 h 6858001"/>
+              <a:gd name="connsiteX38" fmla="*/ 9487490 w 9700459"/>
+              <a:gd name="connsiteY38" fmla="*/ 4670298 h 6858001"/>
+              <a:gd name="connsiteX39" fmla="*/ 9501609 w 9700459"/>
+              <a:gd name="connsiteY39" fmla="*/ 4908956 h 6858001"/>
+              <a:gd name="connsiteX40" fmla="*/ 9516401 w 9700459"/>
+              <a:gd name="connsiteY40" fmla="*/ 5138013 h 6858001"/>
+              <a:gd name="connsiteX41" fmla="*/ 9532706 w 9700459"/>
+              <a:gd name="connsiteY41" fmla="*/ 5354726 h 6858001"/>
+              <a:gd name="connsiteX42" fmla="*/ 9549683 w 9700459"/>
+              <a:gd name="connsiteY42" fmla="*/ 5561838 h 6858001"/>
+              <a:gd name="connsiteX43" fmla="*/ 9568004 w 9700459"/>
+              <a:gd name="connsiteY43" fmla="*/ 5753862 h 6858001"/>
+              <a:gd name="connsiteX44" fmla="*/ 9585990 w 9700459"/>
+              <a:gd name="connsiteY44" fmla="*/ 5934227 h 6858001"/>
+              <a:gd name="connsiteX45" fmla="*/ 9603975 w 9700459"/>
+              <a:gd name="connsiteY45" fmla="*/ 6100191 h 6858001"/>
+              <a:gd name="connsiteX46" fmla="*/ 9620952 w 9700459"/>
+              <a:gd name="connsiteY46" fmla="*/ 6252438 h 6858001"/>
+              <a:gd name="connsiteX47" fmla="*/ 9637089 w 9700459"/>
+              <a:gd name="connsiteY47" fmla="*/ 6387541 h 6858001"/>
+              <a:gd name="connsiteX48" fmla="*/ 9652385 w 9700459"/>
+              <a:gd name="connsiteY48" fmla="*/ 6509613 h 6858001"/>
+              <a:gd name="connsiteX49" fmla="*/ 9665160 w 9700459"/>
+              <a:gd name="connsiteY49" fmla="*/ 6612483 h 6858001"/>
+              <a:gd name="connsiteX50" fmla="*/ 9677262 w 9700459"/>
+              <a:gd name="connsiteY50" fmla="*/ 6698894 h 6858001"/>
+              <a:gd name="connsiteX51" fmla="*/ 9694576 w 9700459"/>
+              <a:gd name="connsiteY51" fmla="*/ 6817538 h 6858001"/>
+              <a:gd name="connsiteX52" fmla="*/ 9700459 w 9700459"/>
+              <a:gd name="connsiteY52" fmla="*/ 6858000 h 6858001"/>
+              <a:gd name="connsiteX53" fmla="*/ 8795105 w 9700459"/>
+              <a:gd name="connsiteY53" fmla="*/ 6858000 h 6858001"/>
+              <a:gd name="connsiteX54" fmla="*/ 8795105 w 9700459"/>
+              <a:gd name="connsiteY54" fmla="*/ 6858001 h 6858001"/>
+              <a:gd name="connsiteX55" fmla="*/ 2704541 w 9700459"/>
+              <a:gd name="connsiteY55" fmla="*/ 6858001 h 6858001"/>
+              <a:gd name="connsiteX56" fmla="*/ 2704541 w 9700459"/>
+              <a:gd name="connsiteY56" fmla="*/ 6858000 h 6858001"/>
+              <a:gd name="connsiteX57" fmla="*/ 1517015 w 9700459"/>
+              <a:gd name="connsiteY57" fmla="*/ 6858000 h 6858001"/>
+              <a:gd name="connsiteX58" fmla="*/ 1323975 w 9700459"/>
+              <a:gd name="connsiteY58" fmla="*/ 6858000 h 6858001"/>
+              <a:gd name="connsiteX59" fmla="*/ 0 w 9700459"/>
+              <a:gd name="connsiteY59" fmla="*/ 6858000 h 6858001"/>
+            </a:gdLst>
+            <a:ahLst/>
+            <a:cxnLst>
+              <a:cxn ang="0">
+                <a:pos x="connsiteX0" y="connsiteY0"/>
+              </a:cxn>
+              <a:cxn ang="0">
+                <a:pos x="connsiteX1" y="connsiteY1"/>
+              </a:cxn>
+              <a:cxn ang="0">
+                <a:pos x="connsiteX2" y="connsiteY2"/>
+              </a:cxn>
+              <a:cxn ang="0">
+                <a:pos x="connsiteX3" y="connsiteY3"/>
+              </a:cxn>
+              <a:cxn ang="0">
+                <a:pos x="connsiteX4" y="connsiteY4"/>
+              </a:cxn>
+              <a:cxn ang="0">
+                <a:pos x="connsiteX5" y="connsiteY5"/>
+              </a:cxn>
+              <a:cxn ang="0">
+                <a:pos x="connsiteX6" y="connsiteY6"/>
+              </a:cxn>
+              <a:cxn ang="0">
+                <a:pos x="connsiteX7" y="connsiteY7"/>
+              </a:cxn>
+              <a:cxn ang="0">
+                <a:pos x="connsiteX8" y="connsiteY8"/>
+              </a:cxn>
+              <a:cxn ang="0">
+                <a:pos x="connsiteX9" y="connsiteY9"/>
+              </a:cxn>
+              <a:cxn ang="0">
+                <a:pos x="connsiteX10" y="connsiteY10"/>
+              </a:cxn>
+              <a:cxn ang="0">
+                <a:pos x="connsiteX11" y="connsiteY11"/>
+              </a:cxn>
+              <a:cxn ang="0">
+                <a:pos x="connsiteX12" y="connsiteY12"/>
+              </a:cxn>
+              <a:cxn ang="0">
+                <a:pos x="connsiteX13" y="connsiteY13"/>
+              </a:cxn>
+              <a:cxn ang="0">
+                <a:pos x="connsiteX14" y="connsiteY14"/>
+              </a:cxn>
+              <a:cxn ang="0">
+                <a:pos x="connsiteX15" y="connsiteY15"/>
+              </a:cxn>
+              <a:cxn ang="0">
+                <a:pos x="connsiteX16" y="connsiteY16"/>
+              </a:cxn>
+              <a:cxn ang="0">
+                <a:pos x="connsiteX17" y="connsiteY17"/>
+              </a:cxn>
+              <a:cxn ang="0">
+                <a:pos x="connsiteX18" y="connsiteY18"/>
+              </a:cxn>
+              <a:cxn ang="0">
+                <a:pos x="connsiteX19" y="connsiteY19"/>
+              </a:cxn>
+              <a:cxn ang="0">
+                <a:pos x="connsiteX20" y="connsiteY20"/>
+              </a:cxn>
+              <a:cxn ang="0">
+                <a:pos x="connsiteX21" y="connsiteY21"/>
+              </a:cxn>
+              <a:cxn ang="0">
+                <a:pos x="connsiteX22" y="connsiteY22"/>
+              </a:cxn>
+              <a:cxn ang="0">
+                <a:pos x="connsiteX23" y="connsiteY23"/>
+              </a:cxn>
+              <a:cxn ang="0">
+                <a:pos x="connsiteX24" y="connsiteY24"/>
+              </a:cxn>
+              <a:cxn ang="0">
+                <a:pos x="connsiteX25" y="connsiteY25"/>
+              </a:cxn>
+              <a:cxn ang="0">
+                <a:pos x="connsiteX26" y="connsiteY26"/>
+              </a:cxn>
+              <a:cxn ang="0">
+                <a:pos x="connsiteX27" y="connsiteY27"/>
+              </a:cxn>
+              <a:cxn ang="0">
+                <a:pos x="connsiteX28" y="connsiteY28"/>
+              </a:cxn>
+              <a:cxn ang="0">
+                <a:pos x="connsiteX29" y="connsiteY29"/>
+              </a:cxn>
+              <a:cxn ang="0">
+                <a:pos x="connsiteX30" y="connsiteY30"/>
+              </a:cxn>
+              <a:cxn ang="0">
+                <a:pos x="connsiteX31" y="connsiteY31"/>
+              </a:cxn>
+              <a:cxn ang="0">
+                <a:pos x="connsiteX32" y="connsiteY32"/>
+              </a:cxn>
+              <a:cxn ang="0">
+                <a:pos x="connsiteX33" y="connsiteY33"/>
+              </a:cxn>
+              <a:cxn ang="0">
+                <a:pos x="connsiteX34" y="connsiteY34"/>
+              </a:cxn>
+              <a:cxn ang="0">
+                <a:pos x="connsiteX35" y="connsiteY35"/>
+              </a:cxn>
+              <a:cxn ang="0">
+                <a:pos x="connsiteX36" y="connsiteY36"/>
+              </a:cxn>
+              <a:cxn ang="0">
+                <a:pos x="connsiteX37" y="connsiteY37"/>
+              </a:cxn>
+              <a:cxn ang="0">
+                <a:pos x="connsiteX38" y="connsiteY38"/>
+              </a:cxn>
+              <a:cxn ang="0">
+                <a:pos x="connsiteX39" y="connsiteY39"/>
+              </a:cxn>
+              <a:cxn ang="0">
+                <a:pos x="connsiteX40" y="connsiteY40"/>
+              </a:cxn>
+              <a:cxn ang="0">
+                <a:pos x="connsiteX41" y="connsiteY41"/>
+              </a:cxn>
+              <a:cxn ang="0">
+                <a:pos x="connsiteX42" y="connsiteY42"/>
+              </a:cxn>
+              <a:cxn ang="0">
+                <a:pos x="connsiteX43" y="connsiteY43"/>
+              </a:cxn>
+              <a:cxn ang="0">
+                <a:pos x="connsiteX44" y="connsiteY44"/>
+              </a:cxn>
+              <a:cxn ang="0">
+                <a:pos x="connsiteX45" y="connsiteY45"/>
+              </a:cxn>
+              <a:cxn ang="0">
+                <a:pos x="connsiteX46" y="connsiteY46"/>
+              </a:cxn>
+              <a:cxn ang="0">
+                <a:pos x="connsiteX47" y="connsiteY47"/>
+              </a:cxn>
+              <a:cxn ang="0">
+                <a:pos x="connsiteX48" y="connsiteY48"/>
+              </a:cxn>
+              <a:cxn ang="0">
+                <a:pos x="connsiteX49" y="connsiteY49"/>
+              </a:cxn>
+              <a:cxn ang="0">
+                <a:pos x="connsiteX50" y="connsiteY50"/>
+              </a:cxn>
+              <a:cxn ang="0">
+                <a:pos x="connsiteX51" y="connsiteY51"/>
+              </a:cxn>
+              <a:cxn ang="0">
+                <a:pos x="connsiteX52" y="connsiteY52"/>
+              </a:cxn>
+              <a:cxn ang="0">
+                <a:pos x="connsiteX53" y="connsiteY53"/>
+              </a:cxn>
+              <a:cxn ang="0">
+                <a:pos x="connsiteX54" y="connsiteY54"/>
+              </a:cxn>
+              <a:cxn ang="0">
+                <a:pos x="connsiteX55" y="connsiteY55"/>
+              </a:cxn>
+              <a:cxn ang="0">
+                <a:pos x="connsiteX56" y="connsiteY56"/>
+              </a:cxn>
+              <a:cxn ang="0">
+                <a:pos x="connsiteX57" y="connsiteY57"/>
+              </a:cxn>
+              <a:cxn ang="0">
+                <a:pos x="connsiteX58" y="connsiteY58"/>
+              </a:cxn>
+              <a:cxn ang="0">
+                <a:pos x="connsiteX59" y="connsiteY59"/>
+              </a:cxn>
+            </a:cxnLst>
+            <a:rect l="l" t="t" r="r" b="b"/>
+            <a:pathLst>
+              <a:path w="9700459" h="6858001">
+                <a:moveTo>
+                  <a:pt x="0" y="0"/>
+                </a:moveTo>
+                <a:lnTo>
+                  <a:pt x="1323975" y="0"/>
+                </a:lnTo>
+                <a:lnTo>
+                  <a:pt x="1517015" y="0"/>
+                </a:lnTo>
+                <a:lnTo>
+                  <a:pt x="3241265" y="0"/>
+                </a:lnTo>
+                <a:lnTo>
+                  <a:pt x="3241265" y="1"/>
+                </a:lnTo>
+                <a:lnTo>
+                  <a:pt x="8355744" y="1"/>
+                </a:lnTo>
+                <a:lnTo>
+                  <a:pt x="8355744" y="0"/>
+                </a:lnTo>
+                <a:lnTo>
+                  <a:pt x="9699282" y="0"/>
+                </a:lnTo>
+                <a:lnTo>
+                  <a:pt x="9674237" y="155677"/>
+                </a:lnTo>
+                <a:lnTo>
+                  <a:pt x="9650368" y="310668"/>
+                </a:lnTo>
+                <a:lnTo>
+                  <a:pt x="9627004" y="466344"/>
+                </a:lnTo>
+                <a:lnTo>
+                  <a:pt x="9607001" y="622707"/>
+                </a:lnTo>
+                <a:lnTo>
+                  <a:pt x="9586830" y="778383"/>
+                </a:lnTo>
+                <a:lnTo>
+                  <a:pt x="9568004" y="934746"/>
+                </a:lnTo>
+                <a:lnTo>
+                  <a:pt x="9551868" y="1089051"/>
+                </a:lnTo>
+                <a:lnTo>
+                  <a:pt x="9536572" y="1245413"/>
+                </a:lnTo>
+                <a:lnTo>
+                  <a:pt x="9522620" y="1401090"/>
+                </a:lnTo>
+                <a:lnTo>
+                  <a:pt x="9510518" y="1554023"/>
+                </a:lnTo>
+                <a:lnTo>
+                  <a:pt x="9498415" y="1709014"/>
+                </a:lnTo>
+                <a:lnTo>
+                  <a:pt x="9488330" y="1861947"/>
+                </a:lnTo>
+                <a:lnTo>
+                  <a:pt x="9480430" y="2014881"/>
+                </a:lnTo>
+                <a:lnTo>
+                  <a:pt x="9472193" y="2167128"/>
+                </a:lnTo>
+                <a:lnTo>
+                  <a:pt x="9465302" y="2318004"/>
+                </a:lnTo>
+                <a:lnTo>
+                  <a:pt x="9460427" y="2467509"/>
+                </a:lnTo>
+                <a:lnTo>
+                  <a:pt x="9456225" y="2617013"/>
+                </a:lnTo>
+                <a:lnTo>
+                  <a:pt x="9452191" y="2765146"/>
+                </a:lnTo>
+                <a:lnTo>
+                  <a:pt x="9450342" y="2911221"/>
+                </a:lnTo>
+                <a:lnTo>
+                  <a:pt x="9448325" y="3057297"/>
+                </a:lnTo>
+                <a:lnTo>
+                  <a:pt x="9447316" y="3201315"/>
+                </a:lnTo>
+                <a:lnTo>
+                  <a:pt x="9448325" y="3343961"/>
+                </a:lnTo>
+                <a:lnTo>
+                  <a:pt x="9448325" y="3485236"/>
+                </a:lnTo>
+                <a:lnTo>
+                  <a:pt x="9450342" y="3625139"/>
+                </a:lnTo>
+                <a:lnTo>
+                  <a:pt x="9453367" y="3762299"/>
+                </a:lnTo>
+                <a:lnTo>
+                  <a:pt x="9456225" y="3898087"/>
+                </a:lnTo>
+                <a:lnTo>
+                  <a:pt x="9459419" y="4031133"/>
+                </a:lnTo>
+                <a:lnTo>
+                  <a:pt x="9464293" y="4163492"/>
+                </a:lnTo>
+                <a:lnTo>
+                  <a:pt x="9469504" y="4293793"/>
+                </a:lnTo>
+                <a:lnTo>
+                  <a:pt x="9474210" y="4421352"/>
+                </a:lnTo>
+                <a:lnTo>
+                  <a:pt x="9487490" y="4670298"/>
+                </a:lnTo>
+                <a:lnTo>
+                  <a:pt x="9501609" y="4908956"/>
+                </a:lnTo>
+                <a:lnTo>
+                  <a:pt x="9516401" y="5138013"/>
+                </a:lnTo>
+                <a:lnTo>
+                  <a:pt x="9532706" y="5354726"/>
+                </a:lnTo>
+                <a:lnTo>
+                  <a:pt x="9549683" y="5561838"/>
+                </a:lnTo>
+                <a:lnTo>
+                  <a:pt x="9568004" y="5753862"/>
+                </a:lnTo>
+                <a:lnTo>
+                  <a:pt x="9585990" y="5934227"/>
+                </a:lnTo>
+                <a:lnTo>
+                  <a:pt x="9603975" y="6100191"/>
+                </a:lnTo>
+                <a:lnTo>
+                  <a:pt x="9620952" y="6252438"/>
+                </a:lnTo>
+                <a:lnTo>
+                  <a:pt x="9637089" y="6387541"/>
+                </a:lnTo>
+                <a:lnTo>
+                  <a:pt x="9652385" y="6509613"/>
+                </a:lnTo>
+                <a:lnTo>
+                  <a:pt x="9665160" y="6612483"/>
+                </a:lnTo>
+                <a:lnTo>
+                  <a:pt x="9677262" y="6698894"/>
+                </a:lnTo>
+                <a:lnTo>
+                  <a:pt x="9694576" y="6817538"/>
+                </a:lnTo>
+                <a:lnTo>
+                  <a:pt x="9700459" y="6858000"/>
+                </a:lnTo>
+                <a:lnTo>
+                  <a:pt x="8795105" y="6858000"/>
+                </a:lnTo>
+                <a:lnTo>
+                  <a:pt x="8795105" y="6858001"/>
+                </a:lnTo>
+                <a:lnTo>
+                  <a:pt x="2704541" y="6858001"/>
+                </a:lnTo>
+                <a:lnTo>
+                  <a:pt x="2704541" y="6858000"/>
+                </a:lnTo>
+                <a:lnTo>
+                  <a:pt x="1517015" y="6858000"/>
+                </a:lnTo>
+                <a:lnTo>
+                  <a:pt x="1323975" y="6858000"/>
+                </a:lnTo>
+                <a:lnTo>
+                  <a:pt x="0" y="6858000"/>
+                </a:lnTo>
+                <a:close/>
+              </a:path>
+            </a:pathLst>
+          </a:custGeom>
+          <a:ln>
+            <a:noFill/>
+          </a:ln>
+        </p:spPr>
+        <p:txBody>
+          <a:bodyPr rot="0" spcFirstLastPara="0" vertOverflow="overflow" horzOverflow="overflow" vert="horz" wrap="square" lIns="91440" tIns="45720" rIns="91440" bIns="45720" numCol="1" spcCol="0" rtlCol="0" fromWordArt="0" anchor="ctr" anchorCtr="0" forceAA="0" compatLnSpc="1">
+            <a:prstTxWarp prst="textNoShape">
+              <a:avLst/>
+            </a:prstTxWarp>
+            <a:noAutofit/>
+          </a:bodyPr>
+          <a:lstStyle/>
+          <a:p>
+            <a:pPr algn="ctr"/>
+            <a:endParaRPr lang="en-US">
+              <a:solidFill>
+                <a:schemeClr val="tx1"/>
+              </a:solidFill>
+            </a:endParaRPr>
+          </a:p>
+        </p:txBody>
+      </p:sp>
+      <p:sp>
+        <p:nvSpPr>
+          <p:cNvPr id="2" name="Title 1">
+            <a:extLst>
+              <a:ext uri="{FF2B5EF4-FFF2-40B4-BE49-F238E27FC236}">
+                <a16:creationId xmlns:a16="http://schemas.microsoft.com/office/drawing/2014/main" id="{09397751-0B43-2C49-BC8C-D442827FDAAF}"/>
+              </a:ext>
+            </a:extLst>
+          </p:cNvPr>
+          <p:cNvSpPr>
+            <a:spLocks noGrp="1"/>
+          </p:cNvSpPr>
+          <p:nvPr>
+            <p:ph type="ctrTitle"/>
+          </p:nvPr>
+        </p:nvSpPr>
+        <p:spPr>
+          <a:xfrm>
+            <a:off x="1154956" y="362140"/>
+            <a:ext cx="6974910" cy="857060"/>
+          </a:xfrm>
+        </p:spPr>
+        <p:txBody>
+          <a:bodyPr>
+            <a:noAutofit/>
+          </a:bodyPr>
+          <a:lstStyle/>
+          <a:p>
+            <a:pPr algn="ctr"/>
+            <a:r>
+              <a:rPr lang="en-US" sz="5400" dirty="0"/>
+              <a:t>Design</a:t>
+            </a:r>
+          </a:p>
+        </p:txBody>
+      </p:sp>
+      <p:sp>
+        <p:nvSpPr>
+          <p:cNvPr id="38" name="Rectangle 37">
+            <a:extLst>
+              <a:ext uri="{FF2B5EF4-FFF2-40B4-BE49-F238E27FC236}">
+                <a16:creationId xmlns:a16="http://schemas.microsoft.com/office/drawing/2014/main" id="{B61A74B3-E247-44D4-8C48-FAE8E2056401}"/>
+              </a:ext>
+              <a:ext uri="{C183D7F6-B498-43B3-948B-1728B52AA6E4}">
+                <adec:decorative xmlns:adec="http://schemas.microsoft.com/office/drawing/2017/decorative" val="1"/>
+              </a:ext>
+            </a:extLst>
+          </p:cNvPr>
+          <p:cNvSpPr>
+            <a:spLocks noGrp="1" noRot="1" noChangeAspect="1" noMove="1" noResize="1" noEditPoints="1" noAdjustHandles="1" noChangeArrowheads="1" noChangeShapeType="1" noTextEdit="1"/>
+          </p:cNvSpPr>
+          <p:nvPr>
+            <p:extLst>
+              <p:ext uri="{386F3935-93C4-4BCD-93E2-E3B085C9AB24}">
+                <p16:designElem xmlns:p16="http://schemas.microsoft.com/office/powerpoint/2015/main" val="1"/>
+              </p:ext>
+            </p:extLst>
+          </p:nvPr>
+        </p:nvSpPr>
+        <p:spPr>
+          <a:xfrm>
+            <a:off x="10437812" y="0"/>
+            <a:ext cx="685800" cy="1143000"/>
+          </a:xfrm>
+          <a:prstGeom prst="rect">
+            <a:avLst/>
+          </a:prstGeom>
+          <a:solidFill>
+            <a:schemeClr val="accent1"/>
+          </a:solidFill>
+          <a:ln>
+            <a:noFill/>
+          </a:ln>
+        </p:spPr>
+        <p:style>
+          <a:lnRef idx="1">
+            <a:schemeClr val="accent1"/>
+          </a:lnRef>
+          <a:fillRef idx="3">
+            <a:schemeClr val="accent1"/>
+          </a:fillRef>
+          <a:effectRef idx="2">
+            <a:schemeClr val="accent1"/>
+          </a:effectRef>
+          <a:fontRef idx="minor">
+            <a:schemeClr val="lt1"/>
+          </a:fontRef>
+        </p:style>
+      </p:sp>
     </p:spTree>
     <p:extLst>
       <p:ext uri="{BB962C8B-B14F-4D97-AF65-F5344CB8AC3E}">
         <p14:creationId xmlns:p14="http://schemas.microsoft.com/office/powerpoint/2010/main" val="1442480302"/>
+      </p:ext>
+    </p:extLst>
+  </p:cSld>
+  <p:clrMapOvr>
+    <a:overrideClrMapping bg1="lt1" tx1="dk1" bg2="lt2" tx2="dk2" accent1="accent1" accent2="accent2" accent3="accent3" accent4="accent4" accent5="accent5" accent6="accent6" hlink="hlink" folHlink="folHlink"/>
+  </p:clrMapOvr>
+</p:sld>
+</file>
+
+<file path=ppt/slides/slide6.xml><?xml version="1.0" encoding="utf-8"?>
+<p:sld xmlns:a="http://schemas.openxmlformats.org/drawingml/2006/main" xmlns:r="http://schemas.openxmlformats.org/officeDocument/2006/relationships" xmlns:p="http://schemas.openxmlformats.org/presentationml/2006/main">
+  <p:cSld>
+    <p:bg>
+      <p:bgPr>
+        <a:gradFill>
+          <a:gsLst>
+            <a:gs pos="0">
+              <a:schemeClr val="bg2">
+                <a:tint val="97000"/>
+                <a:hueMod val="88000"/>
+                <a:satMod val="130000"/>
+                <a:lumMod val="124000"/>
+              </a:schemeClr>
+            </a:gs>
+            <a:gs pos="100000">
+              <a:schemeClr val="bg2">
+                <a:tint val="96000"/>
+                <a:shade val="88000"/>
+                <a:hueMod val="108000"/>
+                <a:satMod val="164000"/>
+                <a:lumMod val="76000"/>
+              </a:schemeClr>
+            </a:gs>
+          </a:gsLst>
+          <a:path path="circle">
+            <a:fillToRect l="45000" t="65000" r="125000" b="100000"/>
+          </a:path>
+        </a:gradFill>
+        <a:effectLst/>
+      </p:bgPr>
+    </p:bg>
+    <p:spTree>
+      <p:nvGrpSpPr>
+        <p:cNvPr id="1" name=""/>
+        <p:cNvGrpSpPr/>
+        <p:nvPr/>
+      </p:nvGrpSpPr>
+      <p:grpSpPr>
+        <a:xfrm>
+          <a:off x="0" y="0"/>
+          <a:ext cx="0" cy="0"/>
+          <a:chOff x="0" y="0"/>
+          <a:chExt cx="0" cy="0"/>
+        </a:xfrm>
+      </p:grpSpPr>
+      <p:sp>
+        <p:nvSpPr>
+          <p:cNvPr id="32" name="Rectangle 31">
+            <a:extLst>
+              <a:ext uri="{FF2B5EF4-FFF2-40B4-BE49-F238E27FC236}">
+                <a16:creationId xmlns:a16="http://schemas.microsoft.com/office/drawing/2014/main" id="{DE27238C-8EAF-4098-86E6-7723B7DAE601}"/>
+              </a:ext>
+              <a:ext uri="{C183D7F6-B498-43B3-948B-1728B52AA6E4}">
+                <adec:decorative xmlns:adec="http://schemas.microsoft.com/office/drawing/2017/decorative" val="1"/>
+              </a:ext>
+            </a:extLst>
+          </p:cNvPr>
+          <p:cNvSpPr>
+            <a:spLocks noGrp="1" noRot="1" noChangeAspect="1" noMove="1" noResize="1" noEditPoints="1" noAdjustHandles="1" noChangeArrowheads="1" noChangeShapeType="1" noTextEdit="1"/>
+          </p:cNvSpPr>
+          <p:nvPr>
+            <p:extLst>
+              <p:ext uri="{386F3935-93C4-4BCD-93E2-E3B085C9AB24}">
+                <p16:designElem xmlns:p16="http://schemas.microsoft.com/office/powerpoint/2015/main" val="1"/>
+              </p:ext>
+            </p:extLst>
+          </p:nvPr>
+        </p:nvSpPr>
+        <p:spPr>
+          <a:xfrm>
+            <a:off x="1" y="0"/>
+            <a:ext cx="12192000" cy="6858000"/>
+          </a:xfrm>
+          <a:prstGeom prst="rect">
+            <a:avLst/>
+          </a:prstGeom>
+          <a:solidFill>
+            <a:schemeClr val="tx2"/>
+          </a:solidFill>
+          <a:ln>
+            <a:noFill/>
+          </a:ln>
+        </p:spPr>
+        <p:style>
+          <a:lnRef idx="2">
+            <a:schemeClr val="accent1">
+              <a:shade val="50000"/>
+            </a:schemeClr>
+          </a:lnRef>
+          <a:fillRef idx="1003">
+            <a:schemeClr val="dk2"/>
+          </a:fillRef>
+          <a:effectRef idx="0">
+            <a:schemeClr val="accent1"/>
+          </a:effectRef>
+          <a:fontRef idx="minor">
+            <a:schemeClr val="lt1"/>
+          </a:fontRef>
+        </p:style>
+        <p:txBody>
+          <a:bodyPr rtlCol="0" anchor="ctr"/>
+          <a:lstStyle/>
+          <a:p>
+            <a:pPr algn="ctr"/>
+            <a:endParaRPr lang="en-US"/>
+          </a:p>
+        </p:txBody>
+      </p:sp>
+      <p:sp>
+        <p:nvSpPr>
+          <p:cNvPr id="34" name="Freeform 36">
+            <a:extLst>
+              <a:ext uri="{FF2B5EF4-FFF2-40B4-BE49-F238E27FC236}">
+                <a16:creationId xmlns:a16="http://schemas.microsoft.com/office/drawing/2014/main" id="{992F97B1-1891-4FCC-9E5F-BA97EDB48F89}"/>
+              </a:ext>
+              <a:ext uri="{C183D7F6-B498-43B3-948B-1728B52AA6E4}">
+                <adec:decorative xmlns:adec="http://schemas.microsoft.com/office/drawing/2017/decorative" val="1"/>
+              </a:ext>
+            </a:extLst>
+          </p:cNvPr>
+          <p:cNvSpPr>
+            <a:spLocks noGrp="1" noRot="1" noChangeAspect="1" noMove="1" noResize="1" noEditPoints="1" noAdjustHandles="1" noChangeArrowheads="1" noChangeShapeType="1" noTextEdit="1"/>
+          </p:cNvSpPr>
+          <p:nvPr>
+            <p:extLst>
+              <p:ext uri="{386F3935-93C4-4BCD-93E2-E3B085C9AB24}">
+                <p16:designElem xmlns:p16="http://schemas.microsoft.com/office/powerpoint/2015/main" val="1"/>
+              </p:ext>
+            </p:extLst>
+          </p:nvPr>
+        </p:nvSpPr>
+        <p:spPr>
+          <a:xfrm flipH="1">
+            <a:off x="9351010" y="0"/>
+            <a:ext cx="559472" cy="3709642"/>
+          </a:xfrm>
+          <a:custGeom>
+            <a:avLst/>
+            <a:gdLst>
+              <a:gd name="connsiteX0" fmla="*/ 0 w 559472"/>
+              <a:gd name="connsiteY0" fmla="*/ 0 h 3709642"/>
+              <a:gd name="connsiteX1" fmla="*/ 473952 w 559472"/>
+              <a:gd name="connsiteY1" fmla="*/ 0 h 3709642"/>
+              <a:gd name="connsiteX2" fmla="*/ 485840 w 559472"/>
+              <a:gd name="connsiteY2" fmla="*/ 161194 h 3709642"/>
+              <a:gd name="connsiteX3" fmla="*/ 523949 w 559472"/>
+              <a:gd name="connsiteY3" fmla="*/ 3672197 h 3709642"/>
+              <a:gd name="connsiteX4" fmla="*/ 454748 w 559472"/>
+              <a:gd name="connsiteY4" fmla="*/ 3709642 h 3709642"/>
+              <a:gd name="connsiteX5" fmla="*/ 448224 w 559472"/>
+              <a:gd name="connsiteY5" fmla="*/ 3510471 h 3709642"/>
+              <a:gd name="connsiteX6" fmla="*/ 443564 w 559472"/>
+              <a:gd name="connsiteY6" fmla="*/ 3408563 h 3709642"/>
+              <a:gd name="connsiteX7" fmla="*/ 438902 w 559472"/>
+              <a:gd name="connsiteY7" fmla="*/ 3304407 h 3709642"/>
+              <a:gd name="connsiteX8" fmla="*/ 433941 w 559472"/>
+              <a:gd name="connsiteY8" fmla="*/ 3198777 h 3709642"/>
+              <a:gd name="connsiteX9" fmla="*/ 427584 w 559472"/>
+              <a:gd name="connsiteY9" fmla="*/ 3092510 h 3709642"/>
+              <a:gd name="connsiteX10" fmla="*/ 420988 w 559472"/>
+              <a:gd name="connsiteY10" fmla="*/ 2984390 h 3709642"/>
+              <a:gd name="connsiteX11" fmla="*/ 414330 w 559472"/>
+              <a:gd name="connsiteY11" fmla="*/ 2874401 h 3709642"/>
+              <a:gd name="connsiteX12" fmla="*/ 406840 w 559472"/>
+              <a:gd name="connsiteY12" fmla="*/ 2762980 h 3709642"/>
+              <a:gd name="connsiteX13" fmla="*/ 397745 w 559472"/>
+              <a:gd name="connsiteY13" fmla="*/ 2650566 h 3709642"/>
+              <a:gd name="connsiteX14" fmla="*/ 389154 w 559472"/>
+              <a:gd name="connsiteY14" fmla="*/ 2536612 h 3709642"/>
+              <a:gd name="connsiteX15" fmla="*/ 379225 w 559472"/>
+              <a:gd name="connsiteY15" fmla="*/ 2421642 h 3709642"/>
+              <a:gd name="connsiteX16" fmla="*/ 368316 w 559472"/>
+              <a:gd name="connsiteY16" fmla="*/ 2305627 h 3709642"/>
+              <a:gd name="connsiteX17" fmla="*/ 357466 w 559472"/>
+              <a:gd name="connsiteY17" fmla="*/ 2189233 h 3709642"/>
+              <a:gd name="connsiteX18" fmla="*/ 344982 w 559472"/>
+              <a:gd name="connsiteY18" fmla="*/ 2071473 h 3709642"/>
+              <a:gd name="connsiteX19" fmla="*/ 332466 w 559472"/>
+              <a:gd name="connsiteY19" fmla="*/ 1952216 h 3709642"/>
+              <a:gd name="connsiteX20" fmla="*/ 319121 w 559472"/>
+              <a:gd name="connsiteY20" fmla="*/ 1833776 h 3709642"/>
+              <a:gd name="connsiteX21" fmla="*/ 304408 w 559472"/>
+              <a:gd name="connsiteY21" fmla="*/ 1713948 h 3709642"/>
+              <a:gd name="connsiteX22" fmla="*/ 288685 w 559472"/>
+              <a:gd name="connsiteY22" fmla="*/ 1592703 h 3709642"/>
+              <a:gd name="connsiteX23" fmla="*/ 273050 w 559472"/>
+              <a:gd name="connsiteY23" fmla="*/ 1471451 h 3709642"/>
+              <a:gd name="connsiteX24" fmla="*/ 255813 w 559472"/>
+              <a:gd name="connsiteY24" fmla="*/ 1350328 h 3709642"/>
+              <a:gd name="connsiteX25" fmla="*/ 237060 w 559472"/>
+              <a:gd name="connsiteY25" fmla="*/ 1227080 h 3709642"/>
+              <a:gd name="connsiteX26" fmla="*/ 218488 w 559472"/>
+              <a:gd name="connsiteY26" fmla="*/ 1106065 h 3709642"/>
+              <a:gd name="connsiteX27" fmla="*/ 198221 w 559472"/>
+              <a:gd name="connsiteY27" fmla="*/ 982940 h 3709642"/>
+              <a:gd name="connsiteX28" fmla="*/ 177152 w 559472"/>
+              <a:gd name="connsiteY28" fmla="*/ 858755 h 3709642"/>
+              <a:gd name="connsiteX29" fmla="*/ 155551 w 559472"/>
+              <a:gd name="connsiteY29" fmla="*/ 736861 h 3709642"/>
+              <a:gd name="connsiteX30" fmla="*/ 131782 w 559472"/>
+              <a:gd name="connsiteY30" fmla="*/ 613645 h 3709642"/>
+              <a:gd name="connsiteX31" fmla="*/ 107123 w 559472"/>
+              <a:gd name="connsiteY31" fmla="*/ 490500 h 3709642"/>
+              <a:gd name="connsiteX32" fmla="*/ 82552 w 559472"/>
+              <a:gd name="connsiteY32" fmla="*/ 367348 h 3709642"/>
+              <a:gd name="connsiteX33" fmla="*/ 55608 w 559472"/>
+              <a:gd name="connsiteY33" fmla="*/ 244762 h 3709642"/>
+              <a:gd name="connsiteX34" fmla="*/ 28130 w 559472"/>
+              <a:gd name="connsiteY34" fmla="*/ 122220 h 3709642"/>
+              <a:gd name="connsiteX35" fmla="*/ 0 w 559472"/>
+              <a:gd name="connsiteY35" fmla="*/ 0 h 3709642"/>
+            </a:gdLst>
+            <a:ahLst/>
+            <a:cxnLst>
+              <a:cxn ang="0">
+                <a:pos x="connsiteX0" y="connsiteY0"/>
+              </a:cxn>
+              <a:cxn ang="0">
+                <a:pos x="connsiteX1" y="connsiteY1"/>
+              </a:cxn>
+              <a:cxn ang="0">
+                <a:pos x="connsiteX2" y="connsiteY2"/>
+              </a:cxn>
+              <a:cxn ang="0">
+                <a:pos x="connsiteX3" y="connsiteY3"/>
+              </a:cxn>
+              <a:cxn ang="0">
+                <a:pos x="connsiteX4" y="connsiteY4"/>
+              </a:cxn>
+              <a:cxn ang="0">
+                <a:pos x="connsiteX5" y="connsiteY5"/>
+              </a:cxn>
+              <a:cxn ang="0">
+                <a:pos x="connsiteX6" y="connsiteY6"/>
+              </a:cxn>
+              <a:cxn ang="0">
+                <a:pos x="connsiteX7" y="connsiteY7"/>
+              </a:cxn>
+              <a:cxn ang="0">
+                <a:pos x="connsiteX8" y="connsiteY8"/>
+              </a:cxn>
+              <a:cxn ang="0">
+                <a:pos x="connsiteX9" y="connsiteY9"/>
+              </a:cxn>
+              <a:cxn ang="0">
+                <a:pos x="connsiteX10" y="connsiteY10"/>
+              </a:cxn>
+              <a:cxn ang="0">
+                <a:pos x="connsiteX11" y="connsiteY11"/>
+              </a:cxn>
+              <a:cxn ang="0">
+                <a:pos x="connsiteX12" y="connsiteY12"/>
+              </a:cxn>
+              <a:cxn ang="0">
+                <a:pos x="connsiteX13" y="connsiteY13"/>
+              </a:cxn>
+              <a:cxn ang="0">
+                <a:pos x="connsiteX14" y="connsiteY14"/>
+              </a:cxn>
+              <a:cxn ang="0">
+                <a:pos x="connsiteX15" y="connsiteY15"/>
+              </a:cxn>
+              <a:cxn ang="0">
+                <a:pos x="connsiteX16" y="connsiteY16"/>
+              </a:cxn>
+              <a:cxn ang="0">
+                <a:pos x="connsiteX17" y="connsiteY17"/>
+              </a:cxn>
+              <a:cxn ang="0">
+                <a:pos x="connsiteX18" y="connsiteY18"/>
+              </a:cxn>
+              <a:cxn ang="0">
+                <a:pos x="connsiteX19" y="connsiteY19"/>
+              </a:cxn>
+              <a:cxn ang="0">
+                <a:pos x="connsiteX20" y="connsiteY20"/>
+              </a:cxn>
+              <a:cxn ang="0">
+                <a:pos x="connsiteX21" y="connsiteY21"/>
+              </a:cxn>
+              <a:cxn ang="0">
+                <a:pos x="connsiteX22" y="connsiteY22"/>
+              </a:cxn>
+              <a:cxn ang="0">
+                <a:pos x="connsiteX23" y="connsiteY23"/>
+              </a:cxn>
+              <a:cxn ang="0">
+                <a:pos x="connsiteX24" y="connsiteY24"/>
+              </a:cxn>
+              <a:cxn ang="0">
+                <a:pos x="connsiteX25" y="connsiteY25"/>
+              </a:cxn>
+              <a:cxn ang="0">
+                <a:pos x="connsiteX26" y="connsiteY26"/>
+              </a:cxn>
+              <a:cxn ang="0">
+                <a:pos x="connsiteX27" y="connsiteY27"/>
+              </a:cxn>
+              <a:cxn ang="0">
+                <a:pos x="connsiteX28" y="connsiteY28"/>
+              </a:cxn>
+              <a:cxn ang="0">
+                <a:pos x="connsiteX29" y="connsiteY29"/>
+              </a:cxn>
+              <a:cxn ang="0">
+                <a:pos x="connsiteX30" y="connsiteY30"/>
+              </a:cxn>
+              <a:cxn ang="0">
+                <a:pos x="connsiteX31" y="connsiteY31"/>
+              </a:cxn>
+              <a:cxn ang="0">
+                <a:pos x="connsiteX32" y="connsiteY32"/>
+              </a:cxn>
+              <a:cxn ang="0">
+                <a:pos x="connsiteX33" y="connsiteY33"/>
+              </a:cxn>
+              <a:cxn ang="0">
+                <a:pos x="connsiteX34" y="connsiteY34"/>
+              </a:cxn>
+              <a:cxn ang="0">
+                <a:pos x="connsiteX35" y="connsiteY35"/>
+              </a:cxn>
+            </a:cxnLst>
+            <a:rect l="l" t="t" r="r" b="b"/>
+            <a:pathLst>
+              <a:path w="559472" h="3709642">
+                <a:moveTo>
+                  <a:pt x="0" y="0"/>
+                </a:moveTo>
+                <a:lnTo>
+                  <a:pt x="473952" y="0"/>
+                </a:lnTo>
+                <a:lnTo>
+                  <a:pt x="485840" y="161194"/>
+                </a:lnTo>
+                <a:cubicBezTo>
+                  <a:pt x="552063" y="1147770"/>
+                  <a:pt x="592441" y="3086737"/>
+                  <a:pt x="523949" y="3672197"/>
+                </a:cubicBezTo>
+                <a:cubicBezTo>
+                  <a:pt x="500842" y="3684557"/>
+                  <a:pt x="477855" y="3697282"/>
+                  <a:pt x="454748" y="3709642"/>
+                </a:cubicBezTo>
+                <a:lnTo>
+                  <a:pt x="448224" y="3510471"/>
+                </a:lnTo>
+                <a:lnTo>
+                  <a:pt x="443564" y="3408563"/>
+                </a:lnTo>
+                <a:lnTo>
+                  <a:pt x="438902" y="3304407"/>
+                </a:lnTo>
+                <a:lnTo>
+                  <a:pt x="433941" y="3198777"/>
+                </a:lnTo>
+                <a:lnTo>
+                  <a:pt x="427584" y="3092510"/>
+                </a:lnTo>
+                <a:lnTo>
+                  <a:pt x="420988" y="2984390"/>
+                </a:lnTo>
+                <a:lnTo>
+                  <a:pt x="414330" y="2874401"/>
+                </a:lnTo>
+                <a:lnTo>
+                  <a:pt x="406840" y="2762980"/>
+                </a:lnTo>
+                <a:lnTo>
+                  <a:pt x="397745" y="2650566"/>
+                </a:lnTo>
+                <a:lnTo>
+                  <a:pt x="389154" y="2536612"/>
+                </a:lnTo>
+                <a:lnTo>
+                  <a:pt x="379225" y="2421642"/>
+                </a:lnTo>
+                <a:lnTo>
+                  <a:pt x="368316" y="2305627"/>
+                </a:lnTo>
+                <a:lnTo>
+                  <a:pt x="357466" y="2189233"/>
+                </a:lnTo>
+                <a:lnTo>
+                  <a:pt x="344982" y="2071473"/>
+                </a:lnTo>
+                <a:lnTo>
+                  <a:pt x="332466" y="1952216"/>
+                </a:lnTo>
+                <a:lnTo>
+                  <a:pt x="319121" y="1833776"/>
+                </a:lnTo>
+                <a:lnTo>
+                  <a:pt x="304408" y="1713948"/>
+                </a:lnTo>
+                <a:lnTo>
+                  <a:pt x="288685" y="1592703"/>
+                </a:lnTo>
+                <a:lnTo>
+                  <a:pt x="273050" y="1471451"/>
+                </a:lnTo>
+                <a:lnTo>
+                  <a:pt x="255813" y="1350328"/>
+                </a:lnTo>
+                <a:lnTo>
+                  <a:pt x="237060" y="1227080"/>
+                </a:lnTo>
+                <a:lnTo>
+                  <a:pt x="218488" y="1106065"/>
+                </a:lnTo>
+                <a:lnTo>
+                  <a:pt x="198221" y="982940"/>
+                </a:lnTo>
+                <a:lnTo>
+                  <a:pt x="177152" y="858755"/>
+                </a:lnTo>
+                <a:lnTo>
+                  <a:pt x="155551" y="736861"/>
+                </a:lnTo>
+                <a:lnTo>
+                  <a:pt x="131782" y="613645"/>
+                </a:lnTo>
+                <a:lnTo>
+                  <a:pt x="107123" y="490500"/>
+                </a:lnTo>
+                <a:lnTo>
+                  <a:pt x="82552" y="367348"/>
+                </a:lnTo>
+                <a:lnTo>
+                  <a:pt x="55608" y="244762"/>
+                </a:lnTo>
+                <a:lnTo>
+                  <a:pt x="28130" y="122220"/>
+                </a:lnTo>
+                <a:lnTo>
+                  <a:pt x="0" y="0"/>
+                </a:lnTo>
+                <a:close/>
+              </a:path>
+            </a:pathLst>
+          </a:custGeom>
+          <a:solidFill>
+            <a:schemeClr val="bg2">
+              <a:lumMod val="60000"/>
+              <a:lumOff val="40000"/>
+              <a:alpha val="20000"/>
+            </a:schemeClr>
+          </a:solidFill>
+          <a:ln>
+            <a:noFill/>
+          </a:ln>
+        </p:spPr>
+        <p:txBody>
+          <a:bodyPr rtlCol="0" anchor="ctr"/>
+          <a:lstStyle/>
+          <a:p>
+            <a:pPr algn="ctr"/>
+            <a:endParaRPr lang="en-US"/>
+          </a:p>
+        </p:txBody>
+      </p:sp>
+      <p:sp useBgFill="1">
+        <p:nvSpPr>
+          <p:cNvPr id="36" name="Freeform: Shape 35">
+            <a:extLst>
+              <a:ext uri="{FF2B5EF4-FFF2-40B4-BE49-F238E27FC236}">
+                <a16:creationId xmlns:a16="http://schemas.microsoft.com/office/drawing/2014/main" id="{78C6C821-FEE1-4EB6-9590-C021440C77DE}"/>
+              </a:ext>
+              <a:ext uri="{C183D7F6-B498-43B3-948B-1728B52AA6E4}">
+                <adec:decorative xmlns:adec="http://schemas.microsoft.com/office/drawing/2017/decorative" val="1"/>
+              </a:ext>
+            </a:extLst>
+          </p:cNvPr>
+          <p:cNvSpPr>
+            <a:spLocks noGrp="1" noRot="1" noChangeAspect="1" noMove="1" noResize="1" noEditPoints="1" noAdjustHandles="1" noChangeArrowheads="1" noChangeShapeType="1" noTextEdit="1"/>
+          </p:cNvSpPr>
+          <p:nvPr>
+            <p:extLst>
+              <p:ext uri="{386F3935-93C4-4BCD-93E2-E3B085C9AB24}">
+                <p16:designElem xmlns:p16="http://schemas.microsoft.com/office/powerpoint/2015/main" val="1"/>
+              </p:ext>
+            </p:extLst>
+          </p:nvPr>
+        </p:nvSpPr>
+        <p:spPr>
+          <a:xfrm>
+            <a:off x="-3175" y="0"/>
+            <a:ext cx="9700459" cy="6858001"/>
+          </a:xfrm>
+          <a:custGeom>
+            <a:avLst/>
+            <a:gdLst>
+              <a:gd name="connsiteX0" fmla="*/ 0 w 9700459"/>
+              <a:gd name="connsiteY0" fmla="*/ 0 h 6858001"/>
+              <a:gd name="connsiteX1" fmla="*/ 1323975 w 9700459"/>
+              <a:gd name="connsiteY1" fmla="*/ 0 h 6858001"/>
+              <a:gd name="connsiteX2" fmla="*/ 1517015 w 9700459"/>
+              <a:gd name="connsiteY2" fmla="*/ 0 h 6858001"/>
+              <a:gd name="connsiteX3" fmla="*/ 3241265 w 9700459"/>
+              <a:gd name="connsiteY3" fmla="*/ 0 h 6858001"/>
+              <a:gd name="connsiteX4" fmla="*/ 3241265 w 9700459"/>
+              <a:gd name="connsiteY4" fmla="*/ 1 h 6858001"/>
+              <a:gd name="connsiteX5" fmla="*/ 8355744 w 9700459"/>
+              <a:gd name="connsiteY5" fmla="*/ 1 h 6858001"/>
+              <a:gd name="connsiteX6" fmla="*/ 8355744 w 9700459"/>
+              <a:gd name="connsiteY6" fmla="*/ 0 h 6858001"/>
+              <a:gd name="connsiteX7" fmla="*/ 9699282 w 9700459"/>
+              <a:gd name="connsiteY7" fmla="*/ 0 h 6858001"/>
+              <a:gd name="connsiteX8" fmla="*/ 9674237 w 9700459"/>
+              <a:gd name="connsiteY8" fmla="*/ 155677 h 6858001"/>
+              <a:gd name="connsiteX9" fmla="*/ 9650368 w 9700459"/>
+              <a:gd name="connsiteY9" fmla="*/ 310668 h 6858001"/>
+              <a:gd name="connsiteX10" fmla="*/ 9627004 w 9700459"/>
+              <a:gd name="connsiteY10" fmla="*/ 466344 h 6858001"/>
+              <a:gd name="connsiteX11" fmla="*/ 9607001 w 9700459"/>
+              <a:gd name="connsiteY11" fmla="*/ 622707 h 6858001"/>
+              <a:gd name="connsiteX12" fmla="*/ 9586830 w 9700459"/>
+              <a:gd name="connsiteY12" fmla="*/ 778383 h 6858001"/>
+              <a:gd name="connsiteX13" fmla="*/ 9568004 w 9700459"/>
+              <a:gd name="connsiteY13" fmla="*/ 934746 h 6858001"/>
+              <a:gd name="connsiteX14" fmla="*/ 9551868 w 9700459"/>
+              <a:gd name="connsiteY14" fmla="*/ 1089051 h 6858001"/>
+              <a:gd name="connsiteX15" fmla="*/ 9536572 w 9700459"/>
+              <a:gd name="connsiteY15" fmla="*/ 1245413 h 6858001"/>
+              <a:gd name="connsiteX16" fmla="*/ 9522620 w 9700459"/>
+              <a:gd name="connsiteY16" fmla="*/ 1401090 h 6858001"/>
+              <a:gd name="connsiteX17" fmla="*/ 9510518 w 9700459"/>
+              <a:gd name="connsiteY17" fmla="*/ 1554023 h 6858001"/>
+              <a:gd name="connsiteX18" fmla="*/ 9498415 w 9700459"/>
+              <a:gd name="connsiteY18" fmla="*/ 1709014 h 6858001"/>
+              <a:gd name="connsiteX19" fmla="*/ 9488330 w 9700459"/>
+              <a:gd name="connsiteY19" fmla="*/ 1861947 h 6858001"/>
+              <a:gd name="connsiteX20" fmla="*/ 9480430 w 9700459"/>
+              <a:gd name="connsiteY20" fmla="*/ 2014881 h 6858001"/>
+              <a:gd name="connsiteX21" fmla="*/ 9472193 w 9700459"/>
+              <a:gd name="connsiteY21" fmla="*/ 2167128 h 6858001"/>
+              <a:gd name="connsiteX22" fmla="*/ 9465302 w 9700459"/>
+              <a:gd name="connsiteY22" fmla="*/ 2318004 h 6858001"/>
+              <a:gd name="connsiteX23" fmla="*/ 9460427 w 9700459"/>
+              <a:gd name="connsiteY23" fmla="*/ 2467509 h 6858001"/>
+              <a:gd name="connsiteX24" fmla="*/ 9456225 w 9700459"/>
+              <a:gd name="connsiteY24" fmla="*/ 2617013 h 6858001"/>
+              <a:gd name="connsiteX25" fmla="*/ 9452191 w 9700459"/>
+              <a:gd name="connsiteY25" fmla="*/ 2765146 h 6858001"/>
+              <a:gd name="connsiteX26" fmla="*/ 9450342 w 9700459"/>
+              <a:gd name="connsiteY26" fmla="*/ 2911221 h 6858001"/>
+              <a:gd name="connsiteX27" fmla="*/ 9448325 w 9700459"/>
+              <a:gd name="connsiteY27" fmla="*/ 3057297 h 6858001"/>
+              <a:gd name="connsiteX28" fmla="*/ 9447316 w 9700459"/>
+              <a:gd name="connsiteY28" fmla="*/ 3201315 h 6858001"/>
+              <a:gd name="connsiteX29" fmla="*/ 9448325 w 9700459"/>
+              <a:gd name="connsiteY29" fmla="*/ 3343961 h 6858001"/>
+              <a:gd name="connsiteX30" fmla="*/ 9448325 w 9700459"/>
+              <a:gd name="connsiteY30" fmla="*/ 3485236 h 6858001"/>
+              <a:gd name="connsiteX31" fmla="*/ 9450342 w 9700459"/>
+              <a:gd name="connsiteY31" fmla="*/ 3625139 h 6858001"/>
+              <a:gd name="connsiteX32" fmla="*/ 9453367 w 9700459"/>
+              <a:gd name="connsiteY32" fmla="*/ 3762299 h 6858001"/>
+              <a:gd name="connsiteX33" fmla="*/ 9456225 w 9700459"/>
+              <a:gd name="connsiteY33" fmla="*/ 3898087 h 6858001"/>
+              <a:gd name="connsiteX34" fmla="*/ 9459419 w 9700459"/>
+              <a:gd name="connsiteY34" fmla="*/ 4031133 h 6858001"/>
+              <a:gd name="connsiteX35" fmla="*/ 9464293 w 9700459"/>
+              <a:gd name="connsiteY35" fmla="*/ 4163492 h 6858001"/>
+              <a:gd name="connsiteX36" fmla="*/ 9469504 w 9700459"/>
+              <a:gd name="connsiteY36" fmla="*/ 4293793 h 6858001"/>
+              <a:gd name="connsiteX37" fmla="*/ 9474210 w 9700459"/>
+              <a:gd name="connsiteY37" fmla="*/ 4421352 h 6858001"/>
+              <a:gd name="connsiteX38" fmla="*/ 9487490 w 9700459"/>
+              <a:gd name="connsiteY38" fmla="*/ 4670298 h 6858001"/>
+              <a:gd name="connsiteX39" fmla="*/ 9501609 w 9700459"/>
+              <a:gd name="connsiteY39" fmla="*/ 4908956 h 6858001"/>
+              <a:gd name="connsiteX40" fmla="*/ 9516401 w 9700459"/>
+              <a:gd name="connsiteY40" fmla="*/ 5138013 h 6858001"/>
+              <a:gd name="connsiteX41" fmla="*/ 9532706 w 9700459"/>
+              <a:gd name="connsiteY41" fmla="*/ 5354726 h 6858001"/>
+              <a:gd name="connsiteX42" fmla="*/ 9549683 w 9700459"/>
+              <a:gd name="connsiteY42" fmla="*/ 5561838 h 6858001"/>
+              <a:gd name="connsiteX43" fmla="*/ 9568004 w 9700459"/>
+              <a:gd name="connsiteY43" fmla="*/ 5753862 h 6858001"/>
+              <a:gd name="connsiteX44" fmla="*/ 9585990 w 9700459"/>
+              <a:gd name="connsiteY44" fmla="*/ 5934227 h 6858001"/>
+              <a:gd name="connsiteX45" fmla="*/ 9603975 w 9700459"/>
+              <a:gd name="connsiteY45" fmla="*/ 6100191 h 6858001"/>
+              <a:gd name="connsiteX46" fmla="*/ 9620952 w 9700459"/>
+              <a:gd name="connsiteY46" fmla="*/ 6252438 h 6858001"/>
+              <a:gd name="connsiteX47" fmla="*/ 9637089 w 9700459"/>
+              <a:gd name="connsiteY47" fmla="*/ 6387541 h 6858001"/>
+              <a:gd name="connsiteX48" fmla="*/ 9652385 w 9700459"/>
+              <a:gd name="connsiteY48" fmla="*/ 6509613 h 6858001"/>
+              <a:gd name="connsiteX49" fmla="*/ 9665160 w 9700459"/>
+              <a:gd name="connsiteY49" fmla="*/ 6612483 h 6858001"/>
+              <a:gd name="connsiteX50" fmla="*/ 9677262 w 9700459"/>
+              <a:gd name="connsiteY50" fmla="*/ 6698894 h 6858001"/>
+              <a:gd name="connsiteX51" fmla="*/ 9694576 w 9700459"/>
+              <a:gd name="connsiteY51" fmla="*/ 6817538 h 6858001"/>
+              <a:gd name="connsiteX52" fmla="*/ 9700459 w 9700459"/>
+              <a:gd name="connsiteY52" fmla="*/ 6858000 h 6858001"/>
+              <a:gd name="connsiteX53" fmla="*/ 8795105 w 9700459"/>
+              <a:gd name="connsiteY53" fmla="*/ 6858000 h 6858001"/>
+              <a:gd name="connsiteX54" fmla="*/ 8795105 w 9700459"/>
+              <a:gd name="connsiteY54" fmla="*/ 6858001 h 6858001"/>
+              <a:gd name="connsiteX55" fmla="*/ 2704541 w 9700459"/>
+              <a:gd name="connsiteY55" fmla="*/ 6858001 h 6858001"/>
+              <a:gd name="connsiteX56" fmla="*/ 2704541 w 9700459"/>
+              <a:gd name="connsiteY56" fmla="*/ 6858000 h 6858001"/>
+              <a:gd name="connsiteX57" fmla="*/ 1517015 w 9700459"/>
+              <a:gd name="connsiteY57" fmla="*/ 6858000 h 6858001"/>
+              <a:gd name="connsiteX58" fmla="*/ 1323975 w 9700459"/>
+              <a:gd name="connsiteY58" fmla="*/ 6858000 h 6858001"/>
+              <a:gd name="connsiteX59" fmla="*/ 0 w 9700459"/>
+              <a:gd name="connsiteY59" fmla="*/ 6858000 h 6858001"/>
+            </a:gdLst>
+            <a:ahLst/>
+            <a:cxnLst>
+              <a:cxn ang="0">
+                <a:pos x="connsiteX0" y="connsiteY0"/>
+              </a:cxn>
+              <a:cxn ang="0">
+                <a:pos x="connsiteX1" y="connsiteY1"/>
+              </a:cxn>
+              <a:cxn ang="0">
+                <a:pos x="connsiteX2" y="connsiteY2"/>
+              </a:cxn>
+              <a:cxn ang="0">
+                <a:pos x="connsiteX3" y="connsiteY3"/>
+              </a:cxn>
+              <a:cxn ang="0">
+                <a:pos x="connsiteX4" y="connsiteY4"/>
+              </a:cxn>
+              <a:cxn ang="0">
+                <a:pos x="connsiteX5" y="connsiteY5"/>
+              </a:cxn>
+              <a:cxn ang="0">
+                <a:pos x="connsiteX6" y="connsiteY6"/>
+              </a:cxn>
+              <a:cxn ang="0">
+                <a:pos x="connsiteX7" y="connsiteY7"/>
+              </a:cxn>
+              <a:cxn ang="0">
+                <a:pos x="connsiteX8" y="connsiteY8"/>
+              </a:cxn>
+              <a:cxn ang="0">
+                <a:pos x="connsiteX9" y="connsiteY9"/>
+              </a:cxn>
+              <a:cxn ang="0">
+                <a:pos x="connsiteX10" y="connsiteY10"/>
+              </a:cxn>
+              <a:cxn ang="0">
+                <a:pos x="connsiteX11" y="connsiteY11"/>
+              </a:cxn>
+              <a:cxn ang="0">
+                <a:pos x="connsiteX12" y="connsiteY12"/>
+              </a:cxn>
+              <a:cxn ang="0">
+                <a:pos x="connsiteX13" y="connsiteY13"/>
+              </a:cxn>
+              <a:cxn ang="0">
+                <a:pos x="connsiteX14" y="connsiteY14"/>
+              </a:cxn>
+              <a:cxn ang="0">
+                <a:pos x="connsiteX15" y="connsiteY15"/>
+              </a:cxn>
+              <a:cxn ang="0">
+                <a:pos x="connsiteX16" y="connsiteY16"/>
+              </a:cxn>
+              <a:cxn ang="0">
+                <a:pos x="connsiteX17" y="connsiteY17"/>
+              </a:cxn>
+              <a:cxn ang="0">
+                <a:pos x="connsiteX18" y="connsiteY18"/>
+              </a:cxn>
+              <a:cxn ang="0">
+                <a:pos x="connsiteX19" y="connsiteY19"/>
+              </a:cxn>
+              <a:cxn ang="0">
+                <a:pos x="connsiteX20" y="connsiteY20"/>
+              </a:cxn>
+              <a:cxn ang="0">
+                <a:pos x="connsiteX21" y="connsiteY21"/>
+              </a:cxn>
+              <a:cxn ang="0">
+                <a:pos x="connsiteX22" y="connsiteY22"/>
+              </a:cxn>
+              <a:cxn ang="0">
+                <a:pos x="connsiteX23" y="connsiteY23"/>
+              </a:cxn>
+              <a:cxn ang="0">
+                <a:pos x="connsiteX24" y="connsiteY24"/>
+              </a:cxn>
+              <a:cxn ang="0">
+                <a:pos x="connsiteX25" y="connsiteY25"/>
+              </a:cxn>
+              <a:cxn ang="0">
+                <a:pos x="connsiteX26" y="connsiteY26"/>
+              </a:cxn>
+              <a:cxn ang="0">
+                <a:pos x="connsiteX27" y="connsiteY27"/>
+              </a:cxn>
+              <a:cxn ang="0">
+                <a:pos x="connsiteX28" y="connsiteY28"/>
+              </a:cxn>
+              <a:cxn ang="0">
+                <a:pos x="connsiteX29" y="connsiteY29"/>
+              </a:cxn>
+              <a:cxn ang="0">
+                <a:pos x="connsiteX30" y="connsiteY30"/>
+              </a:cxn>
+              <a:cxn ang="0">
+                <a:pos x="connsiteX31" y="connsiteY31"/>
+              </a:cxn>
+              <a:cxn ang="0">
+                <a:pos x="connsiteX32" y="connsiteY32"/>
+              </a:cxn>
+              <a:cxn ang="0">
+                <a:pos x="connsiteX33" y="connsiteY33"/>
+              </a:cxn>
+              <a:cxn ang="0">
+                <a:pos x="connsiteX34" y="connsiteY34"/>
+              </a:cxn>
+              <a:cxn ang="0">
+                <a:pos x="connsiteX35" y="connsiteY35"/>
+              </a:cxn>
+              <a:cxn ang="0">
+                <a:pos x="connsiteX36" y="connsiteY36"/>
+              </a:cxn>
+              <a:cxn ang="0">
+                <a:pos x="connsiteX37" y="connsiteY37"/>
+              </a:cxn>
+              <a:cxn ang="0">
+                <a:pos x="connsiteX38" y="connsiteY38"/>
+              </a:cxn>
+              <a:cxn ang="0">
+                <a:pos x="connsiteX39" y="connsiteY39"/>
+              </a:cxn>
+              <a:cxn ang="0">
+                <a:pos x="connsiteX40" y="connsiteY40"/>
+              </a:cxn>
+              <a:cxn ang="0">
+                <a:pos x="connsiteX41" y="connsiteY41"/>
+              </a:cxn>
+              <a:cxn ang="0">
+                <a:pos x="connsiteX42" y="connsiteY42"/>
+              </a:cxn>
+              <a:cxn ang="0">
+                <a:pos x="connsiteX43" y="connsiteY43"/>
+              </a:cxn>
+              <a:cxn ang="0">
+                <a:pos x="connsiteX44" y="connsiteY44"/>
+              </a:cxn>
+              <a:cxn ang="0">
+                <a:pos x="connsiteX45" y="connsiteY45"/>
+              </a:cxn>
+              <a:cxn ang="0">
+                <a:pos x="connsiteX46" y="connsiteY46"/>
+              </a:cxn>
+              <a:cxn ang="0">
+                <a:pos x="connsiteX47" y="connsiteY47"/>
+              </a:cxn>
+              <a:cxn ang="0">
+                <a:pos x="connsiteX48" y="connsiteY48"/>
+              </a:cxn>
+              <a:cxn ang="0">
+                <a:pos x="connsiteX49" y="connsiteY49"/>
+              </a:cxn>
+              <a:cxn ang="0">
+                <a:pos x="connsiteX50" y="connsiteY50"/>
+              </a:cxn>
+              <a:cxn ang="0">
+                <a:pos x="connsiteX51" y="connsiteY51"/>
+              </a:cxn>
+              <a:cxn ang="0">
+                <a:pos x="connsiteX52" y="connsiteY52"/>
+              </a:cxn>
+              <a:cxn ang="0">
+                <a:pos x="connsiteX53" y="connsiteY53"/>
+              </a:cxn>
+              <a:cxn ang="0">
+                <a:pos x="connsiteX54" y="connsiteY54"/>
+              </a:cxn>
+              <a:cxn ang="0">
+                <a:pos x="connsiteX55" y="connsiteY55"/>
+              </a:cxn>
+              <a:cxn ang="0">
+                <a:pos x="connsiteX56" y="connsiteY56"/>
+              </a:cxn>
+              <a:cxn ang="0">
+                <a:pos x="connsiteX57" y="connsiteY57"/>
+              </a:cxn>
+              <a:cxn ang="0">
+                <a:pos x="connsiteX58" y="connsiteY58"/>
+              </a:cxn>
+              <a:cxn ang="0">
+                <a:pos x="connsiteX59" y="connsiteY59"/>
+              </a:cxn>
+            </a:cxnLst>
+            <a:rect l="l" t="t" r="r" b="b"/>
+            <a:pathLst>
+              <a:path w="9700459" h="6858001">
+                <a:moveTo>
+                  <a:pt x="0" y="0"/>
+                </a:moveTo>
+                <a:lnTo>
+                  <a:pt x="1323975" y="0"/>
+                </a:lnTo>
+                <a:lnTo>
+                  <a:pt x="1517015" y="0"/>
+                </a:lnTo>
+                <a:lnTo>
+                  <a:pt x="3241265" y="0"/>
+                </a:lnTo>
+                <a:lnTo>
+                  <a:pt x="3241265" y="1"/>
+                </a:lnTo>
+                <a:lnTo>
+                  <a:pt x="8355744" y="1"/>
+                </a:lnTo>
+                <a:lnTo>
+                  <a:pt x="8355744" y="0"/>
+                </a:lnTo>
+                <a:lnTo>
+                  <a:pt x="9699282" y="0"/>
+                </a:lnTo>
+                <a:lnTo>
+                  <a:pt x="9674237" y="155677"/>
+                </a:lnTo>
+                <a:lnTo>
+                  <a:pt x="9650368" y="310668"/>
+                </a:lnTo>
+                <a:lnTo>
+                  <a:pt x="9627004" y="466344"/>
+                </a:lnTo>
+                <a:lnTo>
+                  <a:pt x="9607001" y="622707"/>
+                </a:lnTo>
+                <a:lnTo>
+                  <a:pt x="9586830" y="778383"/>
+                </a:lnTo>
+                <a:lnTo>
+                  <a:pt x="9568004" y="934746"/>
+                </a:lnTo>
+                <a:lnTo>
+                  <a:pt x="9551868" y="1089051"/>
+                </a:lnTo>
+                <a:lnTo>
+                  <a:pt x="9536572" y="1245413"/>
+                </a:lnTo>
+                <a:lnTo>
+                  <a:pt x="9522620" y="1401090"/>
+                </a:lnTo>
+                <a:lnTo>
+                  <a:pt x="9510518" y="1554023"/>
+                </a:lnTo>
+                <a:lnTo>
+                  <a:pt x="9498415" y="1709014"/>
+                </a:lnTo>
+                <a:lnTo>
+                  <a:pt x="9488330" y="1861947"/>
+                </a:lnTo>
+                <a:lnTo>
+                  <a:pt x="9480430" y="2014881"/>
+                </a:lnTo>
+                <a:lnTo>
+                  <a:pt x="9472193" y="2167128"/>
+                </a:lnTo>
+                <a:lnTo>
+                  <a:pt x="9465302" y="2318004"/>
+                </a:lnTo>
+                <a:lnTo>
+                  <a:pt x="9460427" y="2467509"/>
+                </a:lnTo>
+                <a:lnTo>
+                  <a:pt x="9456225" y="2617013"/>
+                </a:lnTo>
+                <a:lnTo>
+                  <a:pt x="9452191" y="2765146"/>
+                </a:lnTo>
+                <a:lnTo>
+                  <a:pt x="9450342" y="2911221"/>
+                </a:lnTo>
+                <a:lnTo>
+                  <a:pt x="9448325" y="3057297"/>
+                </a:lnTo>
+                <a:lnTo>
+                  <a:pt x="9447316" y="3201315"/>
+                </a:lnTo>
+                <a:lnTo>
+                  <a:pt x="9448325" y="3343961"/>
+                </a:lnTo>
+                <a:lnTo>
+                  <a:pt x="9448325" y="3485236"/>
+                </a:lnTo>
+                <a:lnTo>
+                  <a:pt x="9450342" y="3625139"/>
+                </a:lnTo>
+                <a:lnTo>
+                  <a:pt x="9453367" y="3762299"/>
+                </a:lnTo>
+                <a:lnTo>
+                  <a:pt x="9456225" y="3898087"/>
+                </a:lnTo>
+                <a:lnTo>
+                  <a:pt x="9459419" y="4031133"/>
+                </a:lnTo>
+                <a:lnTo>
+                  <a:pt x="9464293" y="4163492"/>
+                </a:lnTo>
+                <a:lnTo>
+                  <a:pt x="9469504" y="4293793"/>
+                </a:lnTo>
+                <a:lnTo>
+                  <a:pt x="9474210" y="4421352"/>
+                </a:lnTo>
+                <a:lnTo>
+                  <a:pt x="9487490" y="4670298"/>
+                </a:lnTo>
+                <a:lnTo>
+                  <a:pt x="9501609" y="4908956"/>
+                </a:lnTo>
+                <a:lnTo>
+                  <a:pt x="9516401" y="5138013"/>
+                </a:lnTo>
+                <a:lnTo>
+                  <a:pt x="9532706" y="5354726"/>
+                </a:lnTo>
+                <a:lnTo>
+                  <a:pt x="9549683" y="5561838"/>
+                </a:lnTo>
+                <a:lnTo>
+                  <a:pt x="9568004" y="5753862"/>
+                </a:lnTo>
+                <a:lnTo>
+                  <a:pt x="9585990" y="5934227"/>
+                </a:lnTo>
+                <a:lnTo>
+                  <a:pt x="9603975" y="6100191"/>
+                </a:lnTo>
+                <a:lnTo>
+                  <a:pt x="9620952" y="6252438"/>
+                </a:lnTo>
+                <a:lnTo>
+                  <a:pt x="9637089" y="6387541"/>
+                </a:lnTo>
+                <a:lnTo>
+                  <a:pt x="9652385" y="6509613"/>
+                </a:lnTo>
+                <a:lnTo>
+                  <a:pt x="9665160" y="6612483"/>
+                </a:lnTo>
+                <a:lnTo>
+                  <a:pt x="9677262" y="6698894"/>
+                </a:lnTo>
+                <a:lnTo>
+                  <a:pt x="9694576" y="6817538"/>
+                </a:lnTo>
+                <a:lnTo>
+                  <a:pt x="9700459" y="6858000"/>
+                </a:lnTo>
+                <a:lnTo>
+                  <a:pt x="8795105" y="6858000"/>
+                </a:lnTo>
+                <a:lnTo>
+                  <a:pt x="8795105" y="6858001"/>
+                </a:lnTo>
+                <a:lnTo>
+                  <a:pt x="2704541" y="6858001"/>
+                </a:lnTo>
+                <a:lnTo>
+                  <a:pt x="2704541" y="6858000"/>
+                </a:lnTo>
+                <a:lnTo>
+                  <a:pt x="1517015" y="6858000"/>
+                </a:lnTo>
+                <a:lnTo>
+                  <a:pt x="1323975" y="6858000"/>
+                </a:lnTo>
+                <a:lnTo>
+                  <a:pt x="0" y="6858000"/>
+                </a:lnTo>
+                <a:close/>
+              </a:path>
+            </a:pathLst>
+          </a:custGeom>
+          <a:ln>
+            <a:noFill/>
+          </a:ln>
+        </p:spPr>
+        <p:txBody>
+          <a:bodyPr rot="0" spcFirstLastPara="0" vertOverflow="overflow" horzOverflow="overflow" vert="horz" wrap="square" lIns="91440" tIns="45720" rIns="91440" bIns="45720" numCol="1" spcCol="0" rtlCol="0" fromWordArt="0" anchor="ctr" anchorCtr="0" forceAA="0" compatLnSpc="1">
+            <a:prstTxWarp prst="textNoShape">
+              <a:avLst/>
+            </a:prstTxWarp>
+            <a:noAutofit/>
+          </a:bodyPr>
+          <a:lstStyle/>
+          <a:p>
+            <a:pPr algn="ctr"/>
+            <a:endParaRPr lang="en-US">
+              <a:solidFill>
+                <a:schemeClr val="tx1"/>
+              </a:solidFill>
+            </a:endParaRPr>
+          </a:p>
+        </p:txBody>
+      </p:sp>
+      <p:sp>
+        <p:nvSpPr>
+          <p:cNvPr id="2" name="Title 1">
+            <a:extLst>
+              <a:ext uri="{FF2B5EF4-FFF2-40B4-BE49-F238E27FC236}">
+                <a16:creationId xmlns:a16="http://schemas.microsoft.com/office/drawing/2014/main" id="{09397751-0B43-2C49-BC8C-D442827FDAAF}"/>
+              </a:ext>
+            </a:extLst>
+          </p:cNvPr>
+          <p:cNvSpPr>
+            <a:spLocks noGrp="1"/>
+          </p:cNvSpPr>
+          <p:nvPr>
+            <p:ph type="ctrTitle"/>
+          </p:nvPr>
+        </p:nvSpPr>
+        <p:spPr>
+          <a:xfrm>
+            <a:off x="1154956" y="362140"/>
+            <a:ext cx="6974910" cy="857060"/>
+          </a:xfrm>
+        </p:spPr>
+        <p:txBody>
+          <a:bodyPr>
+            <a:noAutofit/>
+          </a:bodyPr>
+          <a:lstStyle/>
+          <a:p>
+            <a:pPr algn="ctr"/>
+            <a:r>
+              <a:rPr lang="en-US" sz="5400" dirty="0"/>
+              <a:t>Colour Scheme</a:t>
+            </a:r>
+          </a:p>
+        </p:txBody>
+      </p:sp>
+      <p:sp>
+        <p:nvSpPr>
+          <p:cNvPr id="38" name="Rectangle 37">
+            <a:extLst>
+              <a:ext uri="{FF2B5EF4-FFF2-40B4-BE49-F238E27FC236}">
+                <a16:creationId xmlns:a16="http://schemas.microsoft.com/office/drawing/2014/main" id="{B61A74B3-E247-44D4-8C48-FAE8E2056401}"/>
+              </a:ext>
+              <a:ext uri="{C183D7F6-B498-43B3-948B-1728B52AA6E4}">
+                <adec:decorative xmlns:adec="http://schemas.microsoft.com/office/drawing/2017/decorative" val="1"/>
+              </a:ext>
+            </a:extLst>
+          </p:cNvPr>
+          <p:cNvSpPr>
+            <a:spLocks noGrp="1" noRot="1" noChangeAspect="1" noMove="1" noResize="1" noEditPoints="1" noAdjustHandles="1" noChangeArrowheads="1" noChangeShapeType="1" noTextEdit="1"/>
+          </p:cNvSpPr>
+          <p:nvPr>
+            <p:extLst>
+              <p:ext uri="{386F3935-93C4-4BCD-93E2-E3B085C9AB24}">
+                <p16:designElem xmlns:p16="http://schemas.microsoft.com/office/powerpoint/2015/main" val="1"/>
+              </p:ext>
+            </p:extLst>
+          </p:nvPr>
+        </p:nvSpPr>
+        <p:spPr>
+          <a:xfrm>
+            <a:off x="10437812" y="0"/>
+            <a:ext cx="685800" cy="1143000"/>
+          </a:xfrm>
+          <a:prstGeom prst="rect">
+            <a:avLst/>
+          </a:prstGeom>
+          <a:solidFill>
+            <a:schemeClr val="accent1"/>
+          </a:solidFill>
+          <a:ln>
+            <a:noFill/>
+          </a:ln>
+        </p:spPr>
+        <p:style>
+          <a:lnRef idx="1">
+            <a:schemeClr val="accent1"/>
+          </a:lnRef>
+          <a:fillRef idx="3">
+            <a:schemeClr val="accent1"/>
+          </a:fillRef>
+          <a:effectRef idx="2">
+            <a:schemeClr val="accent1"/>
+          </a:effectRef>
+          <a:fontRef idx="minor">
+            <a:schemeClr val="lt1"/>
+          </a:fontRef>
+        </p:style>
+      </p:sp>
+    </p:spTree>
+    <p:extLst>
+      <p:ext uri="{BB962C8B-B14F-4D97-AF65-F5344CB8AC3E}">
+        <p14:creationId xmlns:p14="http://schemas.microsoft.com/office/powerpoint/2010/main" val="4137668359"/>
       </p:ext>
     </p:extLst>
   </p:cSld>
